--- a/19_12_VerduraX.pptx
+++ b/19_12_VerduraX.pptx
@@ -3349,8 +3349,8 @@
         </p:nvSpPr>
         <p:spPr>
           <a:xfrm>
-            <a:off x="603648" y="316469"/>
-            <a:ext cx="9847659" cy="707886"/>
+            <a:off x="1037200" y="357041"/>
+            <a:ext cx="13340952" cy="707886"/>
           </a:xfrm>
           <a:prstGeom prst="rect">
             <a:avLst/>
@@ -3371,7 +3371,7 @@
                 <a:latin typeface="Times New Roman" panose="02020603050405020304" pitchFamily="18" charset="0"/>
                 <a:cs typeface="Times New Roman" panose="02020603050405020304" pitchFamily="18" charset="0"/>
               </a:rPr>
-              <a:t>Методика выполнения работы</a:t>
+              <a:t>МЕТОДИКА ВЫПОЛНЕНИЯ РАБОТЫ</a:t>
             </a:r>
             <a:r>
               <a:rPr lang="en-US" sz="4000" dirty="0">
@@ -3391,77 +3391,8 @@
                 <a:latin typeface="Times New Roman" panose="02020603050405020304" pitchFamily="18" charset="0"/>
                 <a:cs typeface="Times New Roman" panose="02020603050405020304" pitchFamily="18" charset="0"/>
               </a:rPr>
-              <a:t> сайт проекта</a:t>
-            </a:r>
-          </a:p>
-        </p:txBody>
-      </p:sp>
-      <p:sp>
-        <p:nvSpPr>
-          <p:cNvPr id="5" name="TextBox 4">
-            <a:extLst>
-              <a:ext uri="{FF2B5EF4-FFF2-40B4-BE49-F238E27FC236}">
-                <a16:creationId xmlns:a16="http://schemas.microsoft.com/office/drawing/2014/main" id="{ABB8F9B6-753E-9F13-280F-0F69106809CF}"/>
-              </a:ext>
-            </a:extLst>
-          </p:cNvPr>
-          <p:cNvSpPr txBox="1"/>
-          <p:nvPr/>
-        </p:nvSpPr>
-        <p:spPr>
-          <a:xfrm>
-            <a:off x="2366367" y="1446213"/>
-            <a:ext cx="9897665" cy="2241960"/>
-          </a:xfrm>
-          <a:prstGeom prst="rect">
-            <a:avLst/>
-          </a:prstGeom>
-          <a:noFill/>
-        </p:spPr>
-        <p:txBody>
-          <a:bodyPr wrap="square" rtlCol="0">
-            <a:spAutoFit/>
-          </a:bodyPr>
-          <a:lstStyle/>
-          <a:p>
-            <a:pPr>
-              <a:lnSpc>
-                <a:spcPct val="150000"/>
-              </a:lnSpc>
-            </a:pPr>
-            <a:r>
-              <a:rPr lang="ru-RU" sz="2400" dirty="0">
-                <a:solidFill>
-                  <a:schemeClr val="bg1">
-                    <a:lumMod val="75000"/>
-                  </a:schemeClr>
-                </a:solidFill>
-                <a:latin typeface="Times New Roman" panose="02020603050405020304" pitchFamily="18" charset="0"/>
-                <a:cs typeface="Times New Roman" panose="02020603050405020304" pitchFamily="18" charset="0"/>
-              </a:rPr>
-              <a:t>На этом слайде представлена карта сайта, иллюстрирующая структуру и навигацию между основными разделами. Переход между страницами можно осуществить через навигационное меню, обеспечивающее удобное перемещение по сайту</a:t>
-            </a:r>
-            <a:r>
-              <a:rPr lang="en-US" sz="2400" dirty="0">
-                <a:solidFill>
-                  <a:schemeClr val="bg1">
-                    <a:lumMod val="75000"/>
-                  </a:schemeClr>
-                </a:solidFill>
-                <a:latin typeface="Times New Roman" panose="02020603050405020304" pitchFamily="18" charset="0"/>
-                <a:cs typeface="Times New Roman" panose="02020603050405020304" pitchFamily="18" charset="0"/>
-              </a:rPr>
-              <a:t>:</a:t>
-            </a:r>
-            <a:endParaRPr lang="ru-RU" sz="2400" dirty="0">
-              <a:solidFill>
-                <a:schemeClr val="bg1">
-                  <a:lumMod val="75000"/>
-                </a:schemeClr>
-              </a:solidFill>
-              <a:latin typeface="Times New Roman" panose="02020603050405020304" pitchFamily="18" charset="0"/>
-              <a:cs typeface="Times New Roman" panose="02020603050405020304" pitchFamily="18" charset="0"/>
-            </a:endParaRPr>
+              <a:t> САЙТ ПРОЕКТА</a:t>
+            </a:r>
           </a:p>
         </p:txBody>
       </p:sp>
@@ -3487,7 +3418,7 @@
         </p:blipFill>
         <p:spPr>
           <a:xfrm>
-            <a:off x="1643060" y="4110031"/>
+            <a:off x="1485405" y="2218169"/>
             <a:ext cx="11344278" cy="3006234"/>
           </a:xfrm>
           <a:prstGeom prst="rect">
@@ -3509,7 +3440,7 @@
         </p:nvSpPr>
         <p:spPr>
           <a:xfrm>
-            <a:off x="5853741" y="7116265"/>
+            <a:off x="5696086" y="5372311"/>
             <a:ext cx="2922916" cy="400110"/>
           </a:xfrm>
           <a:prstGeom prst="rect">
@@ -3634,7 +3565,7 @@
         <p:spPr>
           <a:xfrm>
             <a:off x="657225" y="335757"/>
-            <a:ext cx="10209398" cy="707886"/>
+            <a:ext cx="13363915" cy="707886"/>
           </a:xfrm>
           <a:prstGeom prst="rect">
             <a:avLst/>
@@ -3655,7 +3586,7 @@
                 <a:latin typeface="Times New Roman" panose="02020603050405020304" pitchFamily="18" charset="0"/>
                 <a:cs typeface="Times New Roman" panose="02020603050405020304" pitchFamily="18" charset="0"/>
               </a:rPr>
-              <a:t>Методика выполнения работы</a:t>
+              <a:t>МЕТОДИКА ВЫПОЛНЕНИЯ РАБОТЫ</a:t>
             </a:r>
             <a:r>
               <a:rPr lang="en-US" sz="4000" dirty="0">
@@ -3675,7 +3606,7 @@
                 <a:latin typeface="Times New Roman" panose="02020603050405020304" pitchFamily="18" charset="0"/>
                 <a:cs typeface="Times New Roman" panose="02020603050405020304" pitchFamily="18" charset="0"/>
               </a:rPr>
-              <a:t> Тестирование</a:t>
+              <a:t> ТЕСТИРОВАНИЕ</a:t>
             </a:r>
           </a:p>
         </p:txBody>
@@ -3694,8 +3625,8 @@
         </p:nvSpPr>
         <p:spPr>
           <a:xfrm>
-            <a:off x="557561" y="1226635"/>
-            <a:ext cx="6367345" cy="4653646"/>
+            <a:off x="1141066" y="1347709"/>
+            <a:ext cx="6367345" cy="2958502"/>
           </a:xfrm>
           <a:prstGeom prst="rect">
             <a:avLst/>
@@ -3708,15 +3639,13 @@
           </a:bodyPr>
           <a:lstStyle/>
           <a:p>
-            <a:pPr marL="342900" indent="-342900">
+            <a:pPr>
               <a:lnSpc>
                 <a:spcPct val="150000"/>
               </a:lnSpc>
-              <a:buFont typeface="Arial" panose="020B0604020202020204" pitchFamily="34" charset="0"/>
-              <a:buChar char="•"/>
             </a:pPr>
             <a:r>
-              <a:rPr lang="ru-RU" sz="2000" dirty="0">
+              <a:rPr lang="ru-RU" sz="3200" dirty="0">
                 <a:solidFill>
                   <a:schemeClr val="bg1">
                     <a:lumMod val="75000"/>
@@ -3725,7 +3654,7 @@
                 <a:latin typeface="Times New Roman" panose="02020603050405020304" pitchFamily="18" charset="0"/>
                 <a:cs typeface="Times New Roman" panose="02020603050405020304" pitchFamily="18" charset="0"/>
               </a:rPr>
-              <a:t>Тестирование было проведено с целью обеспечения функциональности и удобства сайта. Особое внимание уделялось выявлению и устранению ошибок в интерфейсе, проверке корректности работы всех элементов и кнопок, а также удобству навигации. Процесс тестирования включал сбор отзывов пользователей, анализ их взаимодействия с сайтом и улучшение его элементов для достижения максимальной эффективности и простоты использования.</a:t>
+              <a:t>Проверены функциональность, навигация и удобство. Устранены ошибки, интерфейс стал простым и удобным.</a:t>
             </a:r>
           </a:p>
         </p:txBody>
@@ -3744,8 +3673,8 @@
         </p:nvSpPr>
         <p:spPr>
           <a:xfrm>
-            <a:off x="5207618" y="5894360"/>
-            <a:ext cx="4790772" cy="1883657"/>
+            <a:off x="4713265" y="4776612"/>
+            <a:ext cx="4790772" cy="2958502"/>
           </a:xfrm>
           <a:prstGeom prst="rect">
             <a:avLst/>
@@ -3758,15 +3687,13 @@
           </a:bodyPr>
           <a:lstStyle/>
           <a:p>
-            <a:pPr marL="342900" indent="-342900">
+            <a:pPr>
               <a:lnSpc>
                 <a:spcPct val="150000"/>
               </a:lnSpc>
-              <a:buFont typeface="Arial" panose="020B0604020202020204" pitchFamily="34" charset="0"/>
-              <a:buChar char="•"/>
             </a:pPr>
             <a:r>
-              <a:rPr lang="ru-RU" sz="2000" dirty="0">
+              <a:rPr lang="ru-RU" sz="3200" dirty="0">
                 <a:solidFill>
                   <a:schemeClr val="bg1">
                     <a:lumMod val="75000"/>
@@ -3775,7 +3702,7 @@
                 <a:latin typeface="Times New Roman" panose="02020603050405020304" pitchFamily="18" charset="0"/>
                 <a:cs typeface="Times New Roman" panose="02020603050405020304" pitchFamily="18" charset="0"/>
               </a:rPr>
-              <a:t>Тестирование UI/UX помогло сделать интерфейс простым и удобным. Мы улучшили дизайн, упростили навигацию и сделали сайт удобным.</a:t>
+              <a:t>Тестирование UI/UX помогло сделать интерфейс простым и удобным. </a:t>
             </a:r>
           </a:p>
         </p:txBody>
@@ -4038,8 +3965,8 @@
         </p:nvSpPr>
         <p:spPr>
           <a:xfrm>
-            <a:off x="5859110" y="0"/>
-            <a:ext cx="2607380" cy="707886"/>
+            <a:off x="4850116" y="49117"/>
+            <a:ext cx="3945375" cy="830997"/>
           </a:xfrm>
           <a:prstGeom prst="rect">
             <a:avLst/>
@@ -4053,88 +3980,14 @@
           <a:lstStyle/>
           <a:p>
             <a:r>
-              <a:rPr lang="ru-RU" sz="4000" dirty="0">
+              <a:rPr lang="ru-RU" sz="4800" dirty="0">
                 <a:solidFill>
                   <a:schemeClr val="bg1"/>
                 </a:solidFill>
                 <a:latin typeface="Times New Roman" panose="02020603050405020304" pitchFamily="18" charset="0"/>
                 <a:cs typeface="Times New Roman" panose="02020603050405020304" pitchFamily="18" charset="0"/>
               </a:rPr>
-              <a:t>Результаты</a:t>
-            </a:r>
-          </a:p>
-        </p:txBody>
-      </p:sp>
-      <p:sp>
-        <p:nvSpPr>
-          <p:cNvPr id="4" name="TextBox 3">
-            <a:extLst>
-              <a:ext uri="{FF2B5EF4-FFF2-40B4-BE49-F238E27FC236}">
-                <a16:creationId xmlns:a16="http://schemas.microsoft.com/office/drawing/2014/main" id="{2811CB5B-8C84-D98F-4303-65C456A5D288}"/>
-              </a:ext>
-            </a:extLst>
-          </p:cNvPr>
-          <p:cNvSpPr txBox="1"/>
-          <p:nvPr/>
-        </p:nvSpPr>
-        <p:spPr>
-          <a:xfrm>
-            <a:off x="406400" y="1087118"/>
-            <a:ext cx="6756400" cy="3349956"/>
-          </a:xfrm>
-          <a:prstGeom prst="rect">
-            <a:avLst/>
-          </a:prstGeom>
-          <a:noFill/>
-        </p:spPr>
-        <p:txBody>
-          <a:bodyPr wrap="square" rtlCol="0">
-            <a:spAutoFit/>
-          </a:bodyPr>
-          <a:lstStyle/>
-          <a:p>
-            <a:pPr marL="342900" indent="-342900">
-              <a:lnSpc>
-                <a:spcPct val="150000"/>
-              </a:lnSpc>
-              <a:buFont typeface="Arial" panose="020B0604020202020204" pitchFamily="34" charset="0"/>
-              <a:buChar char="•"/>
-            </a:pPr>
-            <a:r>
-              <a:rPr lang="ru-RU" sz="2400" dirty="0">
-                <a:solidFill>
-                  <a:schemeClr val="bg1">
-                    <a:lumMod val="75000"/>
-                  </a:schemeClr>
-                </a:solidFill>
-                <a:latin typeface="Times New Roman" panose="02020603050405020304" pitchFamily="18" charset="0"/>
-                <a:cs typeface="Times New Roman" panose="02020603050405020304" pitchFamily="18" charset="0"/>
-              </a:rPr>
-              <a:t>В процессе разработки использовались технологии HTML, CSS, JavaScript, а также фреймворк </a:t>
-            </a:r>
-            <a:r>
-              <a:rPr lang="ru-RU" sz="2400" dirty="0" err="1">
-                <a:solidFill>
-                  <a:schemeClr val="bg1">
-                    <a:lumMod val="75000"/>
-                  </a:schemeClr>
-                </a:solidFill>
-                <a:latin typeface="Times New Roman" panose="02020603050405020304" pitchFamily="18" charset="0"/>
-                <a:cs typeface="Times New Roman" panose="02020603050405020304" pitchFamily="18" charset="0"/>
-              </a:rPr>
-              <a:t>Django</a:t>
-            </a:r>
-            <a:r>
-              <a:rPr lang="ru-RU" sz="2400" dirty="0">
-                <a:solidFill>
-                  <a:schemeClr val="bg1">
-                    <a:lumMod val="75000"/>
-                  </a:schemeClr>
-                </a:solidFill>
-                <a:latin typeface="Times New Roman" panose="02020603050405020304" pitchFamily="18" charset="0"/>
-                <a:cs typeface="Times New Roman" panose="02020603050405020304" pitchFamily="18" charset="0"/>
-              </a:rPr>
-              <a:t> для создания серверной части и работы с базами данных. Сайт имеет удобный интерфейс, адаптивный дизайн и чёткую структуру.</a:t>
+              <a:t>РЕЗУЛЬТАТЫ</a:t>
             </a:r>
           </a:p>
         </p:txBody>
@@ -4153,8 +4006,8 @@
         </p:nvSpPr>
         <p:spPr>
           <a:xfrm>
-            <a:off x="7396480" y="4826469"/>
-            <a:ext cx="7320280" cy="2803140"/>
+            <a:off x="6426303" y="5075831"/>
+            <a:ext cx="7320280" cy="2229393"/>
           </a:xfrm>
           <a:prstGeom prst="rect">
             <a:avLst/>
@@ -4167,15 +4020,13 @@
           </a:bodyPr>
           <a:lstStyle/>
           <a:p>
-            <a:pPr marL="342900" indent="-342900">
+            <a:pPr>
               <a:lnSpc>
                 <a:spcPct val="150000"/>
               </a:lnSpc>
-              <a:buFont typeface="Arial" panose="020B0604020202020204" pitchFamily="34" charset="0"/>
-              <a:buChar char="•"/>
             </a:pPr>
             <a:r>
-              <a:rPr lang="ru-RU" sz="2400" dirty="0">
+              <a:rPr lang="ru-RU" sz="3200" dirty="0">
                 <a:solidFill>
                   <a:schemeClr val="bg1">
                     <a:lumMod val="75000"/>
@@ -4184,9 +4035,9 @@
                 <a:latin typeface="Times New Roman" panose="02020603050405020304" pitchFamily="18" charset="0"/>
                 <a:cs typeface="Times New Roman" panose="02020603050405020304" pitchFamily="18" charset="0"/>
               </a:rPr>
-              <a:t>Тестирование показало стабильную работу, быструю загрузку страниц и отсутствие ошибок. Проект полностью соответствует поставленным задачам, обеспечивая современный дизайн и высокую производительность.</a:t>
-            </a:r>
-            <a:endParaRPr lang="ru-RU" sz="2400" dirty="0"/>
+              <a:t>Тестирование показало стабильную работу, быструю загрузку страниц и отсутствие ошибок. </a:t>
+            </a:r>
+            <a:endParaRPr lang="ru-RU" sz="3200" dirty="0"/>
           </a:p>
         </p:txBody>
       </p:sp>
@@ -4339,6 +4190,73 @@
           <a:p>
             <a:pPr algn="ctr"/>
             <a:endParaRPr lang="ru-RU" dirty="0"/>
+          </a:p>
+        </p:txBody>
+      </p:sp>
+      <p:sp>
+        <p:nvSpPr>
+          <p:cNvPr id="7" name="TextBox 6">
+            <a:extLst>
+              <a:ext uri="{FF2B5EF4-FFF2-40B4-BE49-F238E27FC236}">
+                <a16:creationId xmlns:a16="http://schemas.microsoft.com/office/drawing/2014/main" id="{C2CCB9BC-16FF-7376-5C62-0FBB259F4F67}"/>
+              </a:ext>
+            </a:extLst>
+          </p:cNvPr>
+          <p:cNvSpPr txBox="1"/>
+          <p:nvPr/>
+        </p:nvSpPr>
+        <p:spPr>
+          <a:xfrm>
+            <a:off x="1771650" y="1760668"/>
+            <a:ext cx="5606612" cy="2062103"/>
+          </a:xfrm>
+          <a:prstGeom prst="rect">
+            <a:avLst/>
+          </a:prstGeom>
+          <a:noFill/>
+        </p:spPr>
+        <p:txBody>
+          <a:bodyPr wrap="square">
+            <a:spAutoFit/>
+          </a:bodyPr>
+          <a:lstStyle/>
+          <a:p>
+            <a:r>
+              <a:rPr lang="ru-RU" sz="3200" dirty="0">
+                <a:solidFill>
+                  <a:schemeClr val="bg1">
+                    <a:lumMod val="65000"/>
+                  </a:schemeClr>
+                </a:solidFill>
+                <a:latin typeface="Times New Roman" panose="02020603050405020304" pitchFamily="18" charset="0"/>
+                <a:cs typeface="Times New Roman" panose="02020603050405020304" pitchFamily="18" charset="0"/>
+              </a:rPr>
+              <a:t>HTML, CSS, JS, </a:t>
+            </a:r>
+            <a:r>
+              <a:rPr lang="ru-RU" sz="3200" dirty="0" err="1">
+                <a:solidFill>
+                  <a:schemeClr val="bg1">
+                    <a:lumMod val="65000"/>
+                  </a:schemeClr>
+                </a:solidFill>
+                <a:latin typeface="Times New Roman" panose="02020603050405020304" pitchFamily="18" charset="0"/>
+                <a:cs typeface="Times New Roman" panose="02020603050405020304" pitchFamily="18" charset="0"/>
+              </a:rPr>
+              <a:t>Django</a:t>
+            </a:r>
+            <a:r>
+              <a:rPr lang="ru-RU" sz="3200" dirty="0">
+                <a:solidFill>
+                  <a:schemeClr val="bg1">
+                    <a:lumMod val="65000"/>
+                  </a:schemeClr>
+                </a:solidFill>
+                <a:latin typeface="Times New Roman" panose="02020603050405020304" pitchFamily="18" charset="0"/>
+                <a:cs typeface="Times New Roman" panose="02020603050405020304" pitchFamily="18" charset="0"/>
+              </a:rPr>
+              <a:t>. Адаптивный дизайн, высокая производительность. Стабильность, без ошибок.</a:t>
+            </a:r>
           </a:p>
         </p:txBody>
       </p:sp>
@@ -4437,8 +4355,8 @@
         </p:nvSpPr>
         <p:spPr>
           <a:xfrm>
-            <a:off x="5858230" y="30480"/>
-            <a:ext cx="2913939" cy="707886"/>
+            <a:off x="4730996" y="22597"/>
+            <a:ext cx="4105547" cy="769441"/>
           </a:xfrm>
           <a:prstGeom prst="rect">
             <a:avLst/>
@@ -4452,86 +4370,14 @@
           <a:lstStyle/>
           <a:p>
             <a:r>
-              <a:rPr lang="ru-RU" sz="4000" dirty="0">
+              <a:rPr lang="ru-RU" sz="4400" dirty="0">
                 <a:solidFill>
                   <a:schemeClr val="bg1"/>
                 </a:solidFill>
                 <a:latin typeface="Times New Roman" panose="02020603050405020304" pitchFamily="18" charset="0"/>
                 <a:cs typeface="Times New Roman" panose="02020603050405020304" pitchFamily="18" charset="0"/>
               </a:rPr>
-              <a:t>Обсуждения</a:t>
-            </a:r>
-          </a:p>
-        </p:txBody>
-      </p:sp>
-      <p:sp>
-        <p:nvSpPr>
-          <p:cNvPr id="4" name="TextBox 3">
-            <a:extLst>
-              <a:ext uri="{FF2B5EF4-FFF2-40B4-BE49-F238E27FC236}">
-                <a16:creationId xmlns:a16="http://schemas.microsoft.com/office/drawing/2014/main" id="{67188B9F-9125-AA74-C21E-18A0F521CCD7}"/>
-              </a:ext>
-            </a:extLst>
-          </p:cNvPr>
-          <p:cNvSpPr txBox="1"/>
-          <p:nvPr/>
-        </p:nvSpPr>
-        <p:spPr>
-          <a:xfrm>
-            <a:off x="3698591" y="1105380"/>
-            <a:ext cx="7233215" cy="1687963"/>
-          </a:xfrm>
-          <a:prstGeom prst="rect">
-            <a:avLst/>
-          </a:prstGeom>
-          <a:noFill/>
-        </p:spPr>
-        <p:txBody>
-          <a:bodyPr wrap="square" rtlCol="0">
-            <a:spAutoFit/>
-          </a:bodyPr>
-          <a:lstStyle/>
-          <a:p>
-            <a:pPr>
-              <a:lnSpc>
-                <a:spcPct val="150000"/>
-              </a:lnSpc>
-            </a:pPr>
-            <a:r>
-              <a:rPr lang="ru-RU" sz="2400" dirty="0">
-                <a:solidFill>
-                  <a:schemeClr val="bg1">
-                    <a:lumMod val="75000"/>
-                  </a:schemeClr>
-                </a:solidFill>
-                <a:latin typeface="Times New Roman" panose="02020603050405020304" pitchFamily="18" charset="0"/>
-                <a:cs typeface="Times New Roman" panose="02020603050405020304" pitchFamily="18" charset="0"/>
-              </a:rPr>
-              <a:t>Проект </a:t>
-            </a:r>
-            <a:r>
-              <a:rPr lang="en-US" sz="2400" dirty="0" err="1">
-                <a:solidFill>
-                  <a:schemeClr val="bg1">
-                    <a:lumMod val="75000"/>
-                  </a:schemeClr>
-                </a:solidFill>
-                <a:latin typeface="Times New Roman" panose="02020603050405020304" pitchFamily="18" charset="0"/>
-                <a:cs typeface="Times New Roman" panose="02020603050405020304" pitchFamily="18" charset="0"/>
-              </a:rPr>
-              <a:t>VerduraX</a:t>
-            </a:r>
-            <a:r>
-              <a:rPr lang="ru-RU" sz="2400" dirty="0">
-                <a:solidFill>
-                  <a:schemeClr val="bg1">
-                    <a:lumMod val="75000"/>
-                  </a:schemeClr>
-                </a:solidFill>
-                <a:latin typeface="Times New Roman" panose="02020603050405020304" pitchFamily="18" charset="0"/>
-                <a:cs typeface="Times New Roman" panose="02020603050405020304" pitchFamily="18" charset="0"/>
-              </a:rPr>
-              <a:t> имеет перспективы для дальнейшего развития, включая расширение функционала и улучшение пользовательского опыта.</a:t>
+              <a:t>ОБСУЖДЕНИЯ</a:t>
             </a:r>
           </a:p>
         </p:txBody>
@@ -4550,8 +4396,8 @@
         </p:nvSpPr>
         <p:spPr>
           <a:xfrm>
-            <a:off x="501511" y="3280409"/>
-            <a:ext cx="8962262" cy="4411785"/>
+            <a:off x="296558" y="899327"/>
+            <a:ext cx="10414133" cy="5377882"/>
           </a:xfrm>
           <a:prstGeom prst="rect">
             <a:avLst/>
@@ -4570,7 +4416,7 @@
               </a:lnSpc>
             </a:pPr>
             <a:r>
-              <a:rPr lang="ru-RU" sz="2400" dirty="0">
+              <a:rPr lang="ru-RU" sz="3600" dirty="0">
                 <a:solidFill>
                   <a:schemeClr val="bg1">
                     <a:lumMod val="75000"/>
@@ -4582,7 +4428,7 @@
               <a:t>Будущие планы </a:t>
             </a:r>
             <a:r>
-              <a:rPr lang="en-US" sz="2400" dirty="0" err="1">
+              <a:rPr lang="en-US" sz="3600" dirty="0" err="1">
                 <a:solidFill>
                   <a:schemeClr val="bg1">
                     <a:lumMod val="75000"/>
@@ -4594,7 +4440,7 @@
               <a:t>VerduraX</a:t>
             </a:r>
             <a:r>
-              <a:rPr lang="en-US" sz="2400" dirty="0">
+              <a:rPr lang="en-US" sz="3600" dirty="0">
                 <a:solidFill>
                   <a:schemeClr val="bg1">
                     <a:lumMod val="75000"/>
@@ -4605,7 +4451,7 @@
               </a:rPr>
               <a:t>:</a:t>
             </a:r>
-            <a:endParaRPr lang="ru-RU" sz="2400" dirty="0">
+            <a:endParaRPr lang="ru-RU" sz="3600" dirty="0">
               <a:solidFill>
                 <a:schemeClr val="bg1">
                   <a:lumMod val="75000"/>
@@ -4631,7 +4477,19 @@
                 <a:latin typeface="Times New Roman" panose="02020603050405020304" pitchFamily="18" charset="0"/>
                 <a:cs typeface="Times New Roman" panose="02020603050405020304" pitchFamily="18" charset="0"/>
               </a:rPr>
-              <a:t>1. Добавление новых разделов, таких как форум, отзывы.</a:t>
+              <a:t>1</a:t>
+            </a:r>
+            <a:r>
+              <a:rPr lang="ru-RU" sz="2800" dirty="0">
+                <a:solidFill>
+                  <a:schemeClr val="bg1">
+                    <a:lumMod val="75000"/>
+                  </a:schemeClr>
+                </a:solidFill>
+                <a:latin typeface="Times New Roman" panose="02020603050405020304" pitchFamily="18" charset="0"/>
+                <a:cs typeface="Times New Roman" panose="02020603050405020304" pitchFamily="18" charset="0"/>
+              </a:rPr>
+              <a:t>. Добавление новых разделов, таких как форум, отзывы.</a:t>
             </a:r>
           </a:p>
           <a:p>
@@ -4641,7 +4499,7 @@
               </a:lnSpc>
             </a:pPr>
             <a:r>
-              <a:rPr lang="ru-RU" sz="2400" dirty="0">
+              <a:rPr lang="ru-RU" sz="2800" dirty="0">
                 <a:solidFill>
                   <a:schemeClr val="bg1">
                     <a:lumMod val="75000"/>
@@ -4660,7 +4518,7 @@
               </a:lnSpc>
             </a:pPr>
             <a:r>
-              <a:rPr lang="ru-RU" sz="2400" dirty="0">
+              <a:rPr lang="ru-RU" sz="2800" dirty="0">
                 <a:solidFill>
                   <a:schemeClr val="bg1">
                     <a:lumMod val="75000"/>
@@ -4679,7 +4537,7 @@
               </a:lnSpc>
             </a:pPr>
             <a:r>
-              <a:rPr lang="ru-RU" sz="2400" dirty="0">
+              <a:rPr lang="ru-RU" sz="2800" dirty="0">
                 <a:solidFill>
                   <a:schemeClr val="bg1">
                     <a:lumMod val="75000"/>
@@ -4698,7 +4556,7 @@
               </a:lnSpc>
             </a:pPr>
             <a:r>
-              <a:rPr lang="ru-RU" sz="2400" dirty="0">
+              <a:rPr lang="ru-RU" sz="2800" dirty="0">
                 <a:solidFill>
                   <a:schemeClr val="bg1">
                     <a:lumMod val="75000"/>
@@ -4710,7 +4568,7 @@
               <a:t>5. Сортировка по тематике в разделе </a:t>
             </a:r>
             <a:r>
-              <a:rPr lang="en-US" sz="2400" dirty="0">
+              <a:rPr lang="en-US" sz="2800" dirty="0">
                 <a:solidFill>
                   <a:schemeClr val="bg1">
                     <a:lumMod val="75000"/>
@@ -4722,7 +4580,7 @@
               <a:t>“</a:t>
             </a:r>
             <a:r>
-              <a:rPr lang="ru-RU" sz="2400" dirty="0">
+              <a:rPr lang="ru-RU" sz="2800" dirty="0">
                 <a:solidFill>
                   <a:schemeClr val="bg1">
                     <a:lumMod val="75000"/>
@@ -4734,7 +4592,7 @@
               <a:t>Новости</a:t>
             </a:r>
             <a:r>
-              <a:rPr lang="en-US" sz="2400" dirty="0">
+              <a:rPr lang="en-US" sz="2800" dirty="0">
                 <a:solidFill>
                   <a:schemeClr val="bg1">
                     <a:lumMod val="75000"/>
@@ -4746,7 +4604,7 @@
               <a:t>”</a:t>
             </a:r>
             <a:r>
-              <a:rPr lang="ru-RU" sz="2400" dirty="0">
+              <a:rPr lang="ru-RU" sz="2800" dirty="0">
                 <a:solidFill>
                   <a:schemeClr val="bg1">
                     <a:lumMod val="75000"/>
@@ -4758,7 +4616,7 @@
               <a:t> и</a:t>
             </a:r>
             <a:r>
-              <a:rPr lang="en-US" sz="2400" dirty="0">
+              <a:rPr lang="en-US" sz="2800" dirty="0">
                 <a:solidFill>
                   <a:schemeClr val="bg1">
                     <a:lumMod val="75000"/>
@@ -4770,7 +4628,7 @@
               <a:t> “</a:t>
             </a:r>
             <a:r>
-              <a:rPr lang="ru-RU" sz="2400" dirty="0">
+              <a:rPr lang="ru-RU" sz="2800" dirty="0">
                 <a:solidFill>
                   <a:schemeClr val="bg1">
                     <a:lumMod val="75000"/>
@@ -4782,7 +4640,7 @@
               <a:t>Решения</a:t>
             </a:r>
             <a:r>
-              <a:rPr lang="en-US" sz="2400" dirty="0">
+              <a:rPr lang="en-US" sz="2800" dirty="0">
                 <a:solidFill>
                   <a:schemeClr val="bg1">
                     <a:lumMod val="75000"/>
@@ -4794,7 +4652,7 @@
               <a:t>”</a:t>
             </a:r>
             <a:r>
-              <a:rPr lang="ru-RU" sz="2400" dirty="0">
+              <a:rPr lang="ru-RU" sz="2800" dirty="0">
                 <a:solidFill>
                   <a:schemeClr val="bg1">
                     <a:lumMod val="75000"/>
@@ -4830,7 +4688,7 @@
         </p:blipFill>
         <p:spPr>
           <a:xfrm>
-            <a:off x="10079025" y="3280409"/>
+            <a:off x="10079025" y="3612161"/>
             <a:ext cx="4049864" cy="4049864"/>
           </a:xfrm>
           <a:prstGeom prst="rect">
@@ -4933,8 +4791,8 @@
         </p:nvSpPr>
         <p:spPr>
           <a:xfrm>
-            <a:off x="3498770" y="174377"/>
-            <a:ext cx="7632859" cy="707886"/>
+            <a:off x="1307145" y="363459"/>
+            <a:ext cx="12016110" cy="830997"/>
           </a:xfrm>
           <a:prstGeom prst="rect">
             <a:avLst/>
@@ -4948,14 +4806,14 @@
           <a:lstStyle/>
           <a:p>
             <a:r>
-              <a:rPr lang="ru-RU" sz="4000" dirty="0">
+              <a:rPr lang="ru-RU" sz="4800" dirty="0">
                 <a:solidFill>
                   <a:schemeClr val="bg1"/>
                 </a:solidFill>
                 <a:latin typeface="Times New Roman" panose="02020603050405020304" pitchFamily="18" charset="0"/>
                 <a:cs typeface="Times New Roman" panose="02020603050405020304" pitchFamily="18" charset="0"/>
               </a:rPr>
-              <a:t>Список используемой литературы</a:t>
+              <a:t>СПИСОК ИСПОЛЬЗУЕМОЙ ЛИТЕРАТУРЫ</a:t>
             </a:r>
           </a:p>
         </p:txBody>
@@ -4974,8 +4832,8 @@
         </p:nvSpPr>
         <p:spPr>
           <a:xfrm>
-            <a:off x="198474" y="1453778"/>
-            <a:ext cx="14559517" cy="3673121"/>
+            <a:off x="512380" y="1336259"/>
+            <a:ext cx="15125609" cy="3673121"/>
           </a:xfrm>
           <a:prstGeom prst="rect">
             <a:avLst/>
@@ -5652,8 +5510,8 @@
         </p:nvSpPr>
         <p:spPr>
           <a:xfrm>
-            <a:off x="3956716" y="1803025"/>
-            <a:ext cx="6716967" cy="923330"/>
+            <a:off x="1680852" y="1858199"/>
+            <a:ext cx="11795858" cy="1200329"/>
           </a:xfrm>
           <a:prstGeom prst="rect">
             <a:avLst/>
@@ -5667,14 +5525,14 @@
           <a:lstStyle/>
           <a:p>
             <a:r>
-              <a:rPr lang="ru-RU" sz="5400" dirty="0">
+              <a:rPr lang="ru-RU" sz="7200" dirty="0">
                 <a:solidFill>
                   <a:schemeClr val="bg1"/>
                 </a:solidFill>
                 <a:latin typeface="Times New Roman" panose="02020603050405020304" pitchFamily="18" charset="0"/>
                 <a:cs typeface="Times New Roman" panose="02020603050405020304" pitchFamily="18" charset="0"/>
               </a:rPr>
-              <a:t>Спасибо за внимание!</a:t>
+              <a:t>СПАСИБО ЗА ВНИМАНИЕ!</a:t>
             </a:r>
           </a:p>
         </p:txBody>
@@ -5855,7 +5713,7 @@
         </p:nvSpPr>
         <p:spPr>
           <a:xfrm>
-            <a:off x="828852" y="1400791"/>
+            <a:off x="773672" y="405108"/>
             <a:ext cx="5058069" cy="905056"/>
           </a:xfrm>
           <a:prstGeom prst="rect">
@@ -5887,7 +5745,7 @@
                 <a:ea typeface="MS Mincho" panose="02020609040205080304" pitchFamily="49" charset="-128"/>
                 <a:cs typeface="Times New Roman" panose="02020603050405020304" pitchFamily="18" charset="0"/>
               </a:rPr>
-              <a:t>Оглавление</a:t>
+              <a:t>ОГЛАВЛЕНИЕ</a:t>
             </a:r>
           </a:p>
         </p:txBody>
@@ -5948,8 +5806,8 @@
         </p:nvSpPr>
         <p:spPr>
           <a:xfrm>
-            <a:off x="944966" y="2352782"/>
-            <a:ext cx="5023235" cy="4411785"/>
+            <a:off x="834608" y="1142380"/>
+            <a:ext cx="6540445" cy="5851602"/>
           </a:xfrm>
           <a:prstGeom prst="rect">
             <a:avLst/>
@@ -5970,7 +5828,7 @@
               <a:buChar char="•"/>
             </a:pPr>
             <a:r>
-              <a:rPr lang="ru-RU" sz="2400" dirty="0">
+              <a:rPr lang="ru-RU" sz="3200" dirty="0">
                 <a:solidFill>
                   <a:schemeClr val="bg1">
                     <a:lumMod val="75000"/>
@@ -5982,7 +5840,7 @@
               </a:rPr>
               <a:t>Актуальность</a:t>
             </a:r>
-            <a:endParaRPr lang="ru-RU" sz="2400" dirty="0">
+            <a:endParaRPr lang="ru-RU" sz="3200" dirty="0">
               <a:solidFill>
                 <a:schemeClr val="bg1">
                   <a:lumMod val="75000"/>
@@ -6003,7 +5861,7 @@
               <a:buChar char="•"/>
             </a:pPr>
             <a:r>
-              <a:rPr lang="ru-RU" sz="2400" dirty="0">
+              <a:rPr lang="ru-RU" sz="3200" dirty="0">
                 <a:solidFill>
                   <a:schemeClr val="bg1">
                     <a:lumMod val="75000"/>
@@ -6016,7 +5874,7 @@
               </a:rPr>
               <a:t>Цель и задачи работы</a:t>
             </a:r>
-            <a:endParaRPr lang="ru-RU" sz="2400" dirty="0">
+            <a:endParaRPr lang="ru-RU" sz="3200" dirty="0">
               <a:solidFill>
                 <a:schemeClr val="bg1">
                   <a:lumMod val="75000"/>
@@ -6035,7 +5893,7 @@
               <a:buChar char="•"/>
             </a:pPr>
             <a:r>
-              <a:rPr lang="ru-RU" sz="2400" dirty="0">
+              <a:rPr lang="ru-RU" sz="3200" dirty="0">
                 <a:solidFill>
                   <a:schemeClr val="bg1">
                     <a:lumMod val="75000"/>
@@ -6058,7 +5916,7 @@
               <a:buChar char="•"/>
             </a:pPr>
             <a:r>
-              <a:rPr lang="ru-RU" sz="2400" dirty="0">
+              <a:rPr lang="ru-RU" sz="3200" dirty="0">
                 <a:solidFill>
                   <a:schemeClr val="bg1">
                     <a:lumMod val="75000"/>
@@ -6071,7 +5929,7 @@
               </a:rPr>
               <a:t>Результаты</a:t>
             </a:r>
-            <a:endParaRPr lang="en-US" sz="2400" dirty="0">
+            <a:endParaRPr lang="en-US" sz="3200" dirty="0">
               <a:solidFill>
                 <a:schemeClr val="bg1">
                   <a:lumMod val="75000"/>
@@ -6092,7 +5950,7 @@
               <a:buChar char="•"/>
             </a:pPr>
             <a:r>
-              <a:rPr lang="ru-RU" sz="2400" dirty="0">
+              <a:rPr lang="ru-RU" sz="3200" dirty="0">
                 <a:solidFill>
                   <a:schemeClr val="bg1">
                     <a:lumMod val="75000"/>
@@ -6104,7 +5962,7 @@
               </a:rPr>
               <a:t>Обсуждения</a:t>
             </a:r>
-            <a:endParaRPr lang="en-US" sz="2400" dirty="0">
+            <a:endParaRPr lang="en-US" sz="3200" dirty="0">
               <a:solidFill>
                 <a:schemeClr val="bg1">
                   <a:lumMod val="75000"/>
@@ -6124,7 +5982,7 @@
               <a:buChar char="•"/>
             </a:pPr>
             <a:r>
-              <a:rPr lang="ru-RU" sz="2400" dirty="0">
+              <a:rPr lang="ru-RU" sz="3200" dirty="0">
                 <a:solidFill>
                   <a:schemeClr val="bg1">
                     <a:lumMod val="75000"/>
@@ -6137,7 +5995,7 @@
               </a:rPr>
               <a:t>Список используемой литературы </a:t>
             </a:r>
-            <a:endParaRPr lang="ru-RU" sz="2400" dirty="0">
+            <a:endParaRPr lang="ru-RU" sz="3200" dirty="0">
               <a:solidFill>
                 <a:schemeClr val="bg1">
                   <a:lumMod val="75000"/>
@@ -6304,8 +6162,8 @@
         </p:nvSpPr>
         <p:spPr>
           <a:xfrm>
-            <a:off x="4793541" y="61210"/>
-            <a:ext cx="5627716" cy="838256"/>
+            <a:off x="2284742" y="71420"/>
+            <a:ext cx="7669100" cy="838256"/>
           </a:xfrm>
           <a:prstGeom prst="rect">
             <a:avLst/>
@@ -6331,15 +6189,18 @@
                 <a:latin typeface="Times New Roman" panose="02020603050405020304" pitchFamily="18" charset="0"/>
                 <a:cs typeface="Times New Roman" panose="02020603050405020304" pitchFamily="18" charset="0"/>
               </a:rPr>
-              <a:t>Работа и ее актуальность</a:t>
-            </a:r>
-            <a:endParaRPr lang="en-US" sz="4000" dirty="0">
-              <a:solidFill>
-                <a:schemeClr val="bg1"/>
-              </a:solidFill>
-              <a:latin typeface="Times New Roman" panose="02020603050405020304" pitchFamily="18" charset="0"/>
-              <a:cs typeface="Times New Roman" panose="02020603050405020304" pitchFamily="18" charset="0"/>
-            </a:endParaRPr>
+              <a:t>РАБОТА И ЕЕ АКТУАЛЬНОСТЬ</a:t>
+            </a:r>
+            <a:r>
+              <a:rPr lang="en-US" sz="4000" dirty="0">
+                <a:solidFill>
+                  <a:schemeClr val="bg1"/>
+                </a:solidFill>
+                <a:latin typeface="Times New Roman" panose="02020603050405020304" pitchFamily="18" charset="0"/>
+                <a:cs typeface="Times New Roman" panose="02020603050405020304" pitchFamily="18" charset="0"/>
+              </a:rPr>
+              <a:t>:</a:t>
+            </a:r>
           </a:p>
         </p:txBody>
       </p:sp>
@@ -6541,8 +6402,8 @@
         </p:nvSpPr>
         <p:spPr>
           <a:xfrm>
-            <a:off x="782121" y="899466"/>
-            <a:ext cx="13066157" cy="6673943"/>
+            <a:off x="671763" y="1462765"/>
+            <a:ext cx="13066157" cy="5174493"/>
           </a:xfrm>
           <a:prstGeom prst="rect">
             <a:avLst/>
@@ -6563,7 +6424,7 @@
               <a:buChar char="•"/>
             </a:pPr>
             <a:r>
-              <a:rPr lang="ru-RU" sz="2400" dirty="0">
+              <a:rPr lang="ru-RU" sz="3200" dirty="0">
                 <a:solidFill>
                   <a:schemeClr val="bg1">
                     <a:lumMod val="75000"/>
@@ -6572,9 +6433,9 @@
                 <a:latin typeface="Times New Roman" panose="02020603050405020304" pitchFamily="18" charset="0"/>
                 <a:cs typeface="Times New Roman" panose="02020603050405020304" pitchFamily="18" charset="0"/>
               </a:rPr>
-              <a:t>Наш сайт — это платформа, посвященная возобновляемым источникам энергии и экологически устойчивым решениям. Пользователи могут находить актуальные новости и информацию о новых проектах в сфере ВИЭ, а также поддерживать их финансированием. Сайт помогает привлекать внимание к важным инициативам в области устойчивой энергетики, предоставляя людям возможность сделать вклад в развитие экологически чистых технологий.</a:t>
-            </a:r>
-            <a:endParaRPr lang="en-US" sz="2400" dirty="0">
+              <a:t>Платформа о возобновляемой энергии: новости, проекты и поддержка их финансирования для развития экологичных технологий.</a:t>
+            </a:r>
+            <a:endParaRPr lang="en-US" sz="3200" dirty="0">
               <a:solidFill>
                 <a:schemeClr val="bg1">
                   <a:lumMod val="75000"/>
@@ -6592,7 +6453,7 @@
               <a:buFont typeface="Arial" panose="020B0604020202020204" pitchFamily="34" charset="0"/>
               <a:buChar char="•"/>
             </a:pPr>
-            <a:endParaRPr lang="en-US" sz="2400" dirty="0">
+            <a:endParaRPr lang="en-US" sz="3200" dirty="0">
               <a:solidFill>
                 <a:schemeClr val="bg1">
                   <a:lumMod val="75000"/>
@@ -6610,8 +6471,26 @@
               <a:buFont typeface="Arial" panose="020B0604020202020204" pitchFamily="34" charset="0"/>
               <a:buChar char="•"/>
             </a:pPr>
-            <a:r>
-              <a:rPr lang="ru-RU" sz="2400" dirty="0">
+            <a:endParaRPr lang="en-US" sz="3200" dirty="0">
+              <a:solidFill>
+                <a:schemeClr val="bg1">
+                  <a:lumMod val="75000"/>
+                </a:schemeClr>
+              </a:solidFill>
+              <a:latin typeface="Times New Roman" panose="02020603050405020304" pitchFamily="18" charset="0"/>
+              <a:cs typeface="Times New Roman" panose="02020603050405020304" pitchFamily="18" charset="0"/>
+            </a:endParaRPr>
+          </a:p>
+          <a:p>
+            <a:pPr marL="285750" indent="-285750">
+              <a:lnSpc>
+                <a:spcPct val="150000"/>
+              </a:lnSpc>
+              <a:buFont typeface="Arial" panose="020B0604020202020204" pitchFamily="34" charset="0"/>
+              <a:buChar char="•"/>
+            </a:pPr>
+            <a:r>
+              <a:rPr lang="ru-RU" sz="3200" dirty="0">
                 <a:solidFill>
                   <a:schemeClr val="bg1">
                     <a:lumMod val="75000"/>
@@ -6620,7 +6499,7 @@
                 <a:latin typeface="Times New Roman" panose="02020603050405020304" pitchFamily="18" charset="0"/>
                 <a:cs typeface="Times New Roman" panose="02020603050405020304" pitchFamily="18" charset="0"/>
               </a:rPr>
-              <a:t>Проблемы изменения климата и исчерпания традиционных ресурсов становятся всё более острыми. В ответ на эти вызовы важно активно развивать возобновляемые источники энергии и поддерживать инновационные экологические проекты. Наш сайт предоставляет возможность узнать о новых проектах в этой области и внести свой вклад в их реализацию через финансирование. Это позволяет каждому пользователю стать частью глобальной инициативы по переходу к более устойчивым источникам энергии.</a:t>
+              <a:t>Изменение климата и истощение ресурсов требуют развития ВИЭ. Наш сайт помогает узнавать о проектах и поддерживать их финансированием, продвигая устойчивую энергетику.</a:t>
             </a:r>
           </a:p>
         </p:txBody>
@@ -6658,7 +6537,7 @@
         </p:nvSpPr>
         <p:spPr>
           <a:xfrm>
-            <a:off x="6689109" y="205982"/>
+            <a:off x="6063078" y="609125"/>
             <a:ext cx="1252062" cy="708779"/>
           </a:xfrm>
           <a:prstGeom prst="rect">
@@ -6678,16 +6557,16 @@
               <a:buNone/>
             </a:pPr>
             <a:r>
-              <a:rPr lang="ru-RU" sz="4000" dirty="0">
+              <a:rPr lang="ru-RU" sz="7200" dirty="0">
                 <a:solidFill>
                   <a:schemeClr val="bg1"/>
                 </a:solidFill>
                 <a:latin typeface="Times New Roman" panose="02020603050405020304" pitchFamily="18" charset="0"/>
                 <a:cs typeface="Times New Roman" panose="02020603050405020304" pitchFamily="18" charset="0"/>
               </a:rPr>
-              <a:t>Цель</a:t>
-            </a:r>
-            <a:endParaRPr lang="en-US" sz="4000" dirty="0">
+              <a:t>ЦЕЛЬ</a:t>
+            </a:r>
+            <a:endParaRPr lang="en-US" sz="7200" dirty="0">
               <a:solidFill>
                 <a:schemeClr val="bg1"/>
               </a:solidFill>
@@ -6787,7 +6666,7 @@
         </p:nvSpPr>
         <p:spPr>
           <a:xfrm>
-            <a:off x="1343619" y="1483927"/>
+            <a:off x="277468" y="1483927"/>
             <a:ext cx="5732023" cy="3290390"/>
           </a:xfrm>
           <a:prstGeom prst="rect">
@@ -6808,7 +6687,7 @@
               <a:buChar char="•"/>
             </a:pPr>
             <a:r>
-              <a:rPr lang="ru-RU" sz="2400" dirty="0">
+              <a:rPr lang="ru-RU" sz="3200" dirty="0">
                 <a:solidFill>
                   <a:schemeClr val="bg1">
                     <a:lumMod val="75000"/>
@@ -6818,9 +6697,9 @@
                 <a:latin typeface="Times New Roman" panose="02020603050405020304" pitchFamily="18" charset="0"/>
                 <a:ea typeface="MS Mincho" panose="02020609040205080304" pitchFamily="49" charset="-128"/>
               </a:rPr>
-              <a:t>Основной целью данного проекта является создание онлайн-платформы, предназначенной для поддержки и финансирования различных инициатив в области возобновляемых источников энергии (ВИЭ). </a:t>
-            </a:r>
-            <a:endParaRPr lang="en-US" sz="2400" dirty="0">
+              <a:t>Цель проекта — создать платформу для поддержки и финансирования инициатив в сфере возобновляемой энергии.</a:t>
+            </a:r>
+            <a:endParaRPr lang="en-US" sz="3200" dirty="0">
               <a:solidFill>
                 <a:schemeClr val="bg1">
                   <a:lumMod val="75000"/>
@@ -7007,8 +6886,8 @@
         </p:nvSpPr>
         <p:spPr>
           <a:xfrm>
-            <a:off x="8525325" y="3028011"/>
-            <a:ext cx="5111323" cy="4465133"/>
+            <a:off x="8496770" y="3386206"/>
+            <a:ext cx="5111323" cy="4445384"/>
           </a:xfrm>
           <a:prstGeom prst="rect">
             <a:avLst/>
@@ -7029,7 +6908,7 @@
               <a:buChar char="•"/>
             </a:pPr>
             <a:r>
-              <a:rPr lang="ru-RU" sz="2400" dirty="0">
+              <a:rPr lang="ru-RU" sz="3200" dirty="0">
                 <a:solidFill>
                   <a:schemeClr val="bg1">
                     <a:lumMod val="75000"/>
@@ -7038,22 +6917,9 @@
                 <a:latin typeface="Times New Roman" panose="02020603050405020304" pitchFamily="18" charset="0"/>
                 <a:ea typeface="MS Mincho" panose="02020609040205080304" pitchFamily="49" charset="-128"/>
               </a:rPr>
-              <a:t>П</a:t>
-            </a:r>
-            <a:r>
-              <a:rPr lang="ru-RU" sz="2400" dirty="0">
-                <a:solidFill>
-                  <a:schemeClr val="bg1">
-                    <a:lumMod val="75000"/>
-                  </a:schemeClr>
-                </a:solidFill>
-                <a:effectLst/>
-                <a:latin typeface="Times New Roman" panose="02020603050405020304" pitchFamily="18" charset="0"/>
-                <a:ea typeface="MS Mincho" panose="02020609040205080304" pitchFamily="49" charset="-128"/>
-              </a:rPr>
-              <a:t>редоставить пользователю удобный, интуитивно понятный интерфейс, обеспечить быструю загрузку и адаптивность на различных устройствах, а также создать гармоничный и визуально привлекательный дизайн для комфортного взаимодействия.</a:t>
-            </a:r>
-            <a:endParaRPr lang="en-US" sz="2400" dirty="0">
+              <a:t>Обеспечить удобный интерфейс, быструю загрузку, адаптивность и привлекательный дизайн для комфортного использования.</a:t>
+            </a:r>
+            <a:endParaRPr lang="en-US" sz="3200" dirty="0">
               <a:solidFill>
                 <a:schemeClr val="bg1">
                   <a:lumMod val="75000"/>
@@ -7354,8 +7220,8 @@
         </p:nvSpPr>
         <p:spPr>
           <a:xfrm>
-            <a:off x="5376945" y="595639"/>
-            <a:ext cx="3876510" cy="777136"/>
+            <a:off x="529361" y="458724"/>
+            <a:ext cx="5293309" cy="830997"/>
           </a:xfrm>
           <a:prstGeom prst="rect">
             <a:avLst/>
@@ -7369,17 +7235,17 @@
           <a:lstStyle/>
           <a:p>
             <a:r>
-              <a:rPr lang="ru-RU" sz="4450" dirty="0">
+              <a:rPr lang="ru-RU" sz="4800" dirty="0">
                 <a:solidFill>
                   <a:schemeClr val="bg1"/>
                 </a:solidFill>
                 <a:latin typeface="Times New Roman" panose="02020603050405020304" pitchFamily="18" charset="0"/>
                 <a:cs typeface="Times New Roman" panose="02020603050405020304" pitchFamily="18" charset="0"/>
               </a:rPr>
-              <a:t>Задачи работы</a:t>
-            </a:r>
-            <a:r>
-              <a:rPr lang="en-US" sz="4400" dirty="0">
+              <a:t>ЗАДАЧИ РАБОТЫ</a:t>
+            </a:r>
+            <a:r>
+              <a:rPr lang="en-US" sz="4800" dirty="0">
                 <a:solidFill>
                   <a:schemeClr val="bg1"/>
                 </a:solidFill>
@@ -7388,7 +7254,7 @@
               </a:rPr>
               <a:t>:</a:t>
             </a:r>
-            <a:endParaRPr lang="ru-RU" sz="4400" dirty="0">
+            <a:endParaRPr lang="ru-RU" sz="4800" dirty="0">
               <a:solidFill>
                 <a:schemeClr val="bg1"/>
               </a:solidFill>
@@ -7412,8 +7278,8 @@
         </p:nvSpPr>
         <p:spPr>
           <a:xfrm>
-            <a:off x="454450" y="2090684"/>
-            <a:ext cx="10375594" cy="3673121"/>
+            <a:off x="529361" y="1421308"/>
+            <a:ext cx="10375594" cy="5851602"/>
           </a:xfrm>
           <a:prstGeom prst="rect">
             <a:avLst/>
@@ -7434,33 +7300,22 @@
               <a:buAutoNum type="arabicParenR"/>
             </a:pPr>
             <a:r>
-              <a:rPr lang="ru-RU" sz="2400" dirty="0">
-                <a:solidFill>
-                  <a:schemeClr val="bg1"/>
+              <a:rPr lang="ru-RU" sz="3200" dirty="0">
+                <a:solidFill>
+                  <a:schemeClr val="bg1">
+                    <a:lumMod val="65000"/>
+                  </a:schemeClr>
                 </a:solidFill>
                 <a:effectLst/>
                 <a:latin typeface="Times New Roman" panose="02020603050405020304" pitchFamily="18" charset="0"/>
                 <a:ea typeface="MS Mincho" panose="02020609040205080304" pitchFamily="49" charset="-128"/>
               </a:rPr>
-              <a:t> </a:t>
-            </a:r>
-            <a:r>
-              <a:rPr lang="ru-RU" sz="2400" dirty="0">
-                <a:solidFill>
-                  <a:schemeClr val="bg1">
-                    <a:lumMod val="75000"/>
-                  </a:schemeClr>
-                </a:solidFill>
-                <a:effectLst/>
-                <a:latin typeface="Times New Roman" panose="02020603050405020304" pitchFamily="18" charset="0"/>
-                <a:ea typeface="MS Mincho" panose="02020609040205080304" pitchFamily="49" charset="-128"/>
-              </a:rPr>
-              <a:t>Разработать и реализовать дизайн страниц сайта.</a:t>
-            </a:r>
-            <a:endParaRPr lang="ru-RU" sz="2400" dirty="0">
+              <a:t> Разработать и реализовать дизайн страниц сайта.</a:t>
+            </a:r>
+            <a:endParaRPr lang="ru-RU" sz="3200" dirty="0">
               <a:solidFill>
                 <a:schemeClr val="bg1">
-                  <a:lumMod val="75000"/>
+                  <a:lumMod val="65000"/>
                 </a:schemeClr>
               </a:solidFill>
               <a:latin typeface="Times New Roman" panose="02020603050405020304" pitchFamily="18" charset="0"/>
@@ -7476,10 +7331,10 @@
               <a:buAutoNum type="arabicParenR"/>
             </a:pPr>
             <a:r>
-              <a:rPr lang="ru-RU" sz="2400" dirty="0">
+              <a:rPr lang="ru-RU" sz="3200" dirty="0">
                 <a:solidFill>
                   <a:schemeClr val="bg1">
-                    <a:lumMod val="75000"/>
+                    <a:lumMod val="65000"/>
                   </a:schemeClr>
                 </a:solidFill>
                 <a:effectLst/>
@@ -7488,10 +7343,10 @@
               </a:rPr>
               <a:t> Определить и описать функциональные возможности будущего сайта.</a:t>
             </a:r>
-            <a:endParaRPr lang="ru-RU" sz="2400" dirty="0">
+            <a:endParaRPr lang="ru-RU" sz="3200" dirty="0">
               <a:solidFill>
                 <a:schemeClr val="bg1">
-                  <a:lumMod val="75000"/>
+                  <a:lumMod val="65000"/>
                 </a:schemeClr>
               </a:solidFill>
               <a:latin typeface="Times New Roman" panose="02020603050405020304" pitchFamily="18" charset="0"/>
@@ -7507,10 +7362,10 @@
               <a:buAutoNum type="arabicParenR"/>
             </a:pPr>
             <a:r>
-              <a:rPr lang="ru-RU" sz="2400" dirty="0">
+              <a:rPr lang="ru-RU" sz="3200" dirty="0">
                 <a:solidFill>
                   <a:schemeClr val="bg1">
-                    <a:lumMod val="75000"/>
+                    <a:lumMod val="65000"/>
                   </a:schemeClr>
                 </a:solidFill>
                 <a:effectLst/>
@@ -7519,10 +7374,10 @@
               </a:rPr>
               <a:t> Собрать данные о ВИЭ для базы данных.</a:t>
             </a:r>
-            <a:endParaRPr lang="ru-RU" sz="2400" dirty="0">
+            <a:endParaRPr lang="ru-RU" sz="3200" dirty="0">
               <a:solidFill>
                 <a:schemeClr val="bg1">
-                  <a:lumMod val="75000"/>
+                  <a:lumMod val="65000"/>
                 </a:schemeClr>
               </a:solidFill>
               <a:latin typeface="Times New Roman" panose="02020603050405020304" pitchFamily="18" charset="0"/>
@@ -7538,10 +7393,10 @@
               <a:buAutoNum type="arabicParenR"/>
             </a:pPr>
             <a:r>
-              <a:rPr lang="ru-RU" sz="2400" dirty="0">
+              <a:rPr lang="ru-RU" sz="3200" dirty="0">
                 <a:solidFill>
                   <a:schemeClr val="bg1">
-                    <a:lumMod val="75000"/>
+                    <a:lumMod val="65000"/>
                   </a:schemeClr>
                 </a:solidFill>
                 <a:latin typeface="Times New Roman" panose="02020603050405020304" pitchFamily="18" charset="0"/>
@@ -7549,10 +7404,10 @@
               </a:rPr>
               <a:t> Написать код для реализации функций сайта.</a:t>
             </a:r>
-            <a:endParaRPr lang="ru-RU" sz="2400" dirty="0">
+            <a:endParaRPr lang="ru-RU" sz="3200" dirty="0">
               <a:solidFill>
                 <a:schemeClr val="bg1">
-                  <a:lumMod val="75000"/>
+                  <a:lumMod val="65000"/>
                 </a:schemeClr>
               </a:solidFill>
               <a:effectLst/>
@@ -7569,10 +7424,10 @@
               <a:buAutoNum type="arabicParenR"/>
             </a:pPr>
             <a:r>
-              <a:rPr lang="ru-RU" sz="2400" dirty="0">
+              <a:rPr lang="ru-RU" sz="3200" dirty="0">
                 <a:solidFill>
                   <a:schemeClr val="bg1">
-                    <a:lumMod val="75000"/>
+                    <a:lumMod val="65000"/>
                   </a:schemeClr>
                 </a:solidFill>
                 <a:latin typeface="Times New Roman" panose="02020603050405020304" pitchFamily="18" charset="0"/>
@@ -7580,10 +7435,10 @@
               </a:rPr>
               <a:t> Провести тестирование и устранить ошибки.</a:t>
             </a:r>
-            <a:endParaRPr lang="ru-RU" sz="2400" dirty="0">
+            <a:endParaRPr lang="ru-RU" sz="3200" dirty="0">
               <a:solidFill>
                 <a:schemeClr val="bg1">
-                  <a:lumMod val="75000"/>
+                  <a:lumMod val="65000"/>
                 </a:schemeClr>
               </a:solidFill>
               <a:effectLst/>
@@ -7805,8 +7660,8 @@
         </p:nvSpPr>
         <p:spPr>
           <a:xfrm>
-            <a:off x="948679" y="18180"/>
-            <a:ext cx="7890521" cy="2043852"/>
+            <a:off x="1068287" y="18180"/>
+            <a:ext cx="9313305" cy="2043852"/>
           </a:xfrm>
           <a:prstGeom prst="rect">
             <a:avLst/>
@@ -7874,14 +7729,76 @@
       </p:sp>
       <p:sp>
         <p:nvSpPr>
-          <p:cNvPr id="4" name="Text 1"/>
+          <p:cNvPr id="5" name="Text 2"/>
           <p:cNvSpPr/>
           <p:nvPr/>
         </p:nvSpPr>
         <p:spPr>
           <a:xfrm>
-            <a:off x="3989308" y="2959179"/>
-            <a:ext cx="130016" cy="453509"/>
+            <a:off x="5357217" y="2542818"/>
+            <a:ext cx="2835235" cy="354330"/>
+          </a:xfrm>
+          <a:prstGeom prst="rect">
+            <a:avLst/>
+          </a:prstGeom>
+          <a:noFill/>
+          <a:ln/>
+        </p:spPr>
+        <p:txBody>
+          <a:bodyPr wrap="none" lIns="0" tIns="0" rIns="0" bIns="0" rtlCol="0" anchor="t"/>
+          <a:lstStyle/>
+          <a:p>
+            <a:pPr marL="0" indent="0" algn="l">
+              <a:lnSpc>
+                <a:spcPts val="2750"/>
+              </a:lnSpc>
+              <a:buNone/>
+            </a:pPr>
+            <a:endParaRPr lang="en-US" sz="2200" dirty="0"/>
+          </a:p>
+        </p:txBody>
+      </p:sp>
+      <p:sp>
+        <p:nvSpPr>
+          <p:cNvPr id="6" name="Text 3"/>
+          <p:cNvSpPr/>
+          <p:nvPr/>
+        </p:nvSpPr>
+        <p:spPr>
+          <a:xfrm>
+            <a:off x="5357217" y="3033236"/>
+            <a:ext cx="6807637" cy="362903"/>
+          </a:xfrm>
+          <a:prstGeom prst="rect">
+            <a:avLst/>
+          </a:prstGeom>
+          <a:noFill/>
+          <a:ln/>
+        </p:spPr>
+        <p:txBody>
+          <a:bodyPr wrap="none" lIns="0" tIns="0" rIns="0" bIns="0" rtlCol="0" anchor="t"/>
+          <a:lstStyle/>
+          <a:p>
+            <a:pPr marL="0" indent="0" algn="l">
+              <a:lnSpc>
+                <a:spcPts val="2850"/>
+              </a:lnSpc>
+              <a:buNone/>
+            </a:pPr>
+            <a:endParaRPr lang="en-US" sz="1750" dirty="0"/>
+          </a:p>
+        </p:txBody>
+      </p:sp>
+      <p:sp>
+        <p:nvSpPr>
+          <p:cNvPr id="9" name="Text 5"/>
+          <p:cNvSpPr/>
+          <p:nvPr/>
+        </p:nvSpPr>
+        <p:spPr>
+          <a:xfrm>
+            <a:off x="3968472" y="4469249"/>
+            <a:ext cx="171807" cy="453509"/>
           </a:xfrm>
           <a:prstGeom prst="rect">
             <a:avLst/>
@@ -7905,14 +7822,14 @@
       </p:sp>
       <p:sp>
         <p:nvSpPr>
-          <p:cNvPr id="5" name="Text 2"/>
+          <p:cNvPr id="10" name="Text 6"/>
           <p:cNvSpPr/>
           <p:nvPr/>
         </p:nvSpPr>
         <p:spPr>
           <a:xfrm>
-            <a:off x="5357217" y="2542818"/>
-            <a:ext cx="2835235" cy="354330"/>
+            <a:off x="6433304" y="4087892"/>
+            <a:ext cx="3733919" cy="354330"/>
           </a:xfrm>
           <a:prstGeom prst="rect">
             <a:avLst/>
@@ -7936,14 +7853,14 @@
       </p:sp>
       <p:sp>
         <p:nvSpPr>
-          <p:cNvPr id="6" name="Text 3"/>
+          <p:cNvPr id="16" name="Text 11"/>
           <p:cNvSpPr/>
           <p:nvPr/>
         </p:nvSpPr>
         <p:spPr>
           <a:xfrm>
-            <a:off x="5357217" y="3033236"/>
-            <a:ext cx="6807637" cy="362903"/>
+            <a:off x="7509272" y="6304836"/>
+            <a:ext cx="6100524" cy="725805"/>
           </a:xfrm>
           <a:prstGeom prst="rect">
             <a:avLst/>
@@ -7952,7 +7869,7 @@
           <a:ln/>
         </p:spPr>
         <p:txBody>
-          <a:bodyPr wrap="none" lIns="0" tIns="0" rIns="0" bIns="0" rtlCol="0" anchor="t"/>
+          <a:bodyPr wrap="square" lIns="0" tIns="0" rIns="0" bIns="0" rtlCol="0" anchor="t"/>
           <a:lstStyle/>
           <a:p>
             <a:pPr marL="0" indent="0" algn="l">
@@ -7962,340 +7879,6 @@
               <a:buNone/>
             </a:pPr>
             <a:endParaRPr lang="en-US" sz="1750" dirty="0"/>
-          </a:p>
-        </p:txBody>
-      </p:sp>
-      <p:sp>
-        <p:nvSpPr>
-          <p:cNvPr id="9" name="Text 5"/>
-          <p:cNvSpPr/>
-          <p:nvPr/>
-        </p:nvSpPr>
-        <p:spPr>
-          <a:xfrm>
-            <a:off x="3968472" y="4469249"/>
-            <a:ext cx="171807" cy="453509"/>
-          </a:xfrm>
-          <a:prstGeom prst="rect">
-            <a:avLst/>
-          </a:prstGeom>
-          <a:noFill/>
-          <a:ln/>
-        </p:spPr>
-        <p:txBody>
-          <a:bodyPr wrap="none" lIns="0" tIns="0" rIns="0" bIns="0" rtlCol="0" anchor="t"/>
-          <a:lstStyle/>
-          <a:p>
-            <a:pPr marL="0" indent="0" algn="ctr">
-              <a:lnSpc>
-                <a:spcPts val="3550"/>
-              </a:lnSpc>
-              <a:buNone/>
-            </a:pPr>
-            <a:endParaRPr lang="en-US" sz="2200" dirty="0"/>
-          </a:p>
-        </p:txBody>
-      </p:sp>
-      <p:sp>
-        <p:nvSpPr>
-          <p:cNvPr id="10" name="Text 6"/>
-          <p:cNvSpPr/>
-          <p:nvPr/>
-        </p:nvSpPr>
-        <p:spPr>
-          <a:xfrm>
-            <a:off x="6433304" y="4087892"/>
-            <a:ext cx="3733919" cy="354330"/>
-          </a:xfrm>
-          <a:prstGeom prst="rect">
-            <a:avLst/>
-          </a:prstGeom>
-          <a:noFill/>
-          <a:ln/>
-        </p:spPr>
-        <p:txBody>
-          <a:bodyPr wrap="none" lIns="0" tIns="0" rIns="0" bIns="0" rtlCol="0" anchor="t"/>
-          <a:lstStyle/>
-          <a:p>
-            <a:pPr marL="0" indent="0" algn="l">
-              <a:lnSpc>
-                <a:spcPts val="2750"/>
-              </a:lnSpc>
-              <a:buNone/>
-            </a:pPr>
-            <a:endParaRPr lang="en-US" sz="2200" dirty="0"/>
-          </a:p>
-        </p:txBody>
-      </p:sp>
-      <p:sp>
-        <p:nvSpPr>
-          <p:cNvPr id="16" name="Text 11"/>
-          <p:cNvSpPr/>
-          <p:nvPr/>
-        </p:nvSpPr>
-        <p:spPr>
-          <a:xfrm>
-            <a:off x="7509272" y="6304836"/>
-            <a:ext cx="6100524" cy="725805"/>
-          </a:xfrm>
-          <a:prstGeom prst="rect">
-            <a:avLst/>
-          </a:prstGeom>
-          <a:noFill/>
-          <a:ln/>
-        </p:spPr>
-        <p:txBody>
-          <a:bodyPr wrap="square" lIns="0" tIns="0" rIns="0" bIns="0" rtlCol="0" anchor="t"/>
-          <a:lstStyle/>
-          <a:p>
-            <a:pPr marL="0" indent="0" algn="l">
-              <a:lnSpc>
-                <a:spcPts val="2850"/>
-              </a:lnSpc>
-              <a:buNone/>
-            </a:pPr>
-            <a:endParaRPr lang="en-US" sz="1750" dirty="0"/>
-          </a:p>
-        </p:txBody>
-      </p:sp>
-      <p:sp>
-        <p:nvSpPr>
-          <p:cNvPr id="18" name="TextBox 17">
-            <a:extLst>
-              <a:ext uri="{FF2B5EF4-FFF2-40B4-BE49-F238E27FC236}">
-                <a16:creationId xmlns:a16="http://schemas.microsoft.com/office/drawing/2014/main" id="{D76E6F2D-E06C-0F83-A154-A2B641F708EB}"/>
-              </a:ext>
-            </a:extLst>
-          </p:cNvPr>
-          <p:cNvSpPr txBox="1"/>
-          <p:nvPr/>
-        </p:nvSpPr>
-        <p:spPr>
-          <a:xfrm>
-            <a:off x="781355" y="1800404"/>
-            <a:ext cx="2056973" cy="5993436"/>
-          </a:xfrm>
-          <a:prstGeom prst="rect">
-            <a:avLst/>
-          </a:prstGeom>
-          <a:noFill/>
-        </p:spPr>
-        <p:txBody>
-          <a:bodyPr wrap="none" rtlCol="0">
-            <a:spAutoFit/>
-          </a:bodyPr>
-          <a:lstStyle/>
-          <a:p>
-            <a:pPr marL="285750" indent="-285750">
-              <a:lnSpc>
-                <a:spcPct val="200000"/>
-              </a:lnSpc>
-              <a:buFont typeface="Arial" panose="020B0604020202020204" pitchFamily="34" charset="0"/>
-              <a:buChar char="•"/>
-            </a:pPr>
-            <a:r>
-              <a:rPr lang="en-US" sz="2800" dirty="0">
-                <a:solidFill>
-                  <a:schemeClr val="bg1">
-                    <a:lumMod val="75000"/>
-                  </a:schemeClr>
-                </a:solidFill>
-                <a:latin typeface="Times New Roman" panose="02020603050405020304" pitchFamily="18" charset="0"/>
-                <a:ea typeface="MS Mincho" panose="02020609040205080304" pitchFamily="49" charset="-128"/>
-              </a:rPr>
-              <a:t>Django</a:t>
-            </a:r>
-            <a:endParaRPr lang="en-US" sz="2800" dirty="0">
-              <a:solidFill>
-                <a:schemeClr val="bg1">
-                  <a:lumMod val="75000"/>
-                </a:schemeClr>
-              </a:solidFill>
-              <a:effectLst/>
-              <a:latin typeface="Times New Roman" panose="02020603050405020304" pitchFamily="18" charset="0"/>
-              <a:ea typeface="MS Mincho" panose="02020609040205080304" pitchFamily="49" charset="-128"/>
-            </a:endParaRPr>
-          </a:p>
-          <a:p>
-            <a:pPr marL="285750" indent="-285750">
-              <a:lnSpc>
-                <a:spcPct val="200000"/>
-              </a:lnSpc>
-              <a:buFont typeface="Arial" panose="020B0604020202020204" pitchFamily="34" charset="0"/>
-              <a:buChar char="•"/>
-            </a:pPr>
-            <a:r>
-              <a:rPr lang="ru-RU" sz="2800" dirty="0">
-                <a:solidFill>
-                  <a:schemeClr val="bg1">
-                    <a:lumMod val="75000"/>
-                  </a:schemeClr>
-                </a:solidFill>
-                <a:effectLst/>
-                <a:latin typeface="Times New Roman" panose="02020603050405020304" pitchFamily="18" charset="0"/>
-                <a:ea typeface="MS Mincho" panose="02020609040205080304" pitchFamily="49" charset="-128"/>
-              </a:rPr>
-              <a:t>HTML </a:t>
-            </a:r>
-            <a:endParaRPr lang="en-US" sz="2800" dirty="0">
-              <a:solidFill>
-                <a:schemeClr val="bg1">
-                  <a:lumMod val="75000"/>
-                </a:schemeClr>
-              </a:solidFill>
-              <a:effectLst/>
-              <a:latin typeface="Times New Roman" panose="02020603050405020304" pitchFamily="18" charset="0"/>
-              <a:ea typeface="MS Mincho" panose="02020609040205080304" pitchFamily="49" charset="-128"/>
-            </a:endParaRPr>
-          </a:p>
-          <a:p>
-            <a:pPr marL="285750" indent="-285750">
-              <a:lnSpc>
-                <a:spcPct val="200000"/>
-              </a:lnSpc>
-              <a:buFont typeface="Arial" panose="020B0604020202020204" pitchFamily="34" charset="0"/>
-              <a:buChar char="•"/>
-            </a:pPr>
-            <a:r>
-              <a:rPr lang="ru-RU" sz="2800" dirty="0">
-                <a:solidFill>
-                  <a:schemeClr val="bg1">
-                    <a:lumMod val="75000"/>
-                  </a:schemeClr>
-                </a:solidFill>
-                <a:effectLst/>
-                <a:latin typeface="Times New Roman" panose="02020603050405020304" pitchFamily="18" charset="0"/>
-                <a:ea typeface="MS Mincho" panose="02020609040205080304" pitchFamily="49" charset="-128"/>
-              </a:rPr>
-              <a:t>CSS</a:t>
-            </a:r>
-            <a:endParaRPr lang="en-US" sz="2800" dirty="0">
-              <a:solidFill>
-                <a:schemeClr val="bg1">
-                  <a:lumMod val="75000"/>
-                </a:schemeClr>
-              </a:solidFill>
-              <a:effectLst/>
-              <a:latin typeface="Times New Roman" panose="02020603050405020304" pitchFamily="18" charset="0"/>
-              <a:ea typeface="MS Mincho" panose="02020609040205080304" pitchFamily="49" charset="-128"/>
-            </a:endParaRPr>
-          </a:p>
-          <a:p>
-            <a:pPr marL="285750" indent="-285750">
-              <a:lnSpc>
-                <a:spcPct val="200000"/>
-              </a:lnSpc>
-              <a:buFont typeface="Arial" panose="020B0604020202020204" pitchFamily="34" charset="0"/>
-              <a:buChar char="•"/>
-            </a:pPr>
-            <a:r>
-              <a:rPr lang="ru-RU" sz="2800" dirty="0">
-                <a:solidFill>
-                  <a:schemeClr val="bg1">
-                    <a:lumMod val="75000"/>
-                  </a:schemeClr>
-                </a:solidFill>
-                <a:effectLst/>
-                <a:latin typeface="Times New Roman" panose="02020603050405020304" pitchFamily="18" charset="0"/>
-                <a:ea typeface="MS Mincho" panose="02020609040205080304" pitchFamily="49" charset="-128"/>
-              </a:rPr>
-              <a:t>JavaScript </a:t>
-            </a:r>
-            <a:endParaRPr lang="en-US" sz="2800" dirty="0">
-              <a:solidFill>
-                <a:schemeClr val="bg1">
-                  <a:lumMod val="75000"/>
-                </a:schemeClr>
-              </a:solidFill>
-              <a:effectLst/>
-              <a:latin typeface="Times New Roman" panose="02020603050405020304" pitchFamily="18" charset="0"/>
-              <a:ea typeface="MS Mincho" panose="02020609040205080304" pitchFamily="49" charset="-128"/>
-            </a:endParaRPr>
-          </a:p>
-          <a:p>
-            <a:pPr marL="285750" indent="-285750">
-              <a:lnSpc>
-                <a:spcPct val="200000"/>
-              </a:lnSpc>
-              <a:buFont typeface="Arial" panose="020B0604020202020204" pitchFamily="34" charset="0"/>
-              <a:buChar char="•"/>
-            </a:pPr>
-            <a:r>
-              <a:rPr lang="ru-RU" sz="2800" dirty="0" err="1">
-                <a:solidFill>
-                  <a:schemeClr val="bg1">
-                    <a:lumMod val="75000"/>
-                  </a:schemeClr>
-                </a:solidFill>
-                <a:effectLst/>
-                <a:latin typeface="Times New Roman" panose="02020603050405020304" pitchFamily="18" charset="0"/>
-                <a:ea typeface="MS Mincho" panose="02020609040205080304" pitchFamily="49" charset="-128"/>
-              </a:rPr>
-              <a:t>MariaDB</a:t>
-            </a:r>
-            <a:endParaRPr lang="en-US" sz="2800" dirty="0">
-              <a:solidFill>
-                <a:schemeClr val="bg1">
-                  <a:lumMod val="75000"/>
-                </a:schemeClr>
-              </a:solidFill>
-              <a:effectLst/>
-              <a:latin typeface="Times New Roman" panose="02020603050405020304" pitchFamily="18" charset="0"/>
-              <a:ea typeface="MS Mincho" panose="02020609040205080304" pitchFamily="49" charset="-128"/>
-            </a:endParaRPr>
-          </a:p>
-          <a:p>
-            <a:pPr marL="285750" indent="-285750">
-              <a:lnSpc>
-                <a:spcPct val="200000"/>
-              </a:lnSpc>
-              <a:buFont typeface="Arial" panose="020B0604020202020204" pitchFamily="34" charset="0"/>
-              <a:buChar char="•"/>
-            </a:pPr>
-            <a:r>
-              <a:rPr lang="en-US" sz="2800" dirty="0">
-                <a:solidFill>
-                  <a:schemeClr val="bg1">
-                    <a:lumMod val="75000"/>
-                  </a:schemeClr>
-                </a:solidFill>
-                <a:effectLst/>
-                <a:latin typeface="Times New Roman" panose="02020603050405020304" pitchFamily="18" charset="0"/>
-                <a:ea typeface="MS Mincho" panose="02020609040205080304" pitchFamily="49" charset="-128"/>
-              </a:rPr>
-              <a:t>Python</a:t>
-            </a:r>
-          </a:p>
-          <a:p>
-            <a:pPr marL="285750" indent="-285750">
-              <a:lnSpc>
-                <a:spcPct val="200000"/>
-              </a:lnSpc>
-              <a:buFont typeface="Arial" panose="020B0604020202020204" pitchFamily="34" charset="0"/>
-              <a:buChar char="•"/>
-            </a:pPr>
-            <a:r>
-              <a:rPr lang="en-US" sz="2800" dirty="0" err="1">
-                <a:solidFill>
-                  <a:schemeClr val="bg1">
-                    <a:lumMod val="75000"/>
-                  </a:schemeClr>
-                </a:solidFill>
-                <a:latin typeface="Times New Roman" panose="02020603050405020304" pitchFamily="18" charset="0"/>
-                <a:ea typeface="MS Mincho" panose="02020609040205080304" pitchFamily="49" charset="-128"/>
-              </a:rPr>
-              <a:t>VSCode</a:t>
-            </a:r>
-            <a:endParaRPr lang="en-US" sz="2800" dirty="0">
-              <a:solidFill>
-                <a:schemeClr val="bg1">
-                  <a:lumMod val="75000"/>
-                </a:schemeClr>
-              </a:solidFill>
-              <a:effectLst/>
-              <a:latin typeface="Times New Roman" panose="02020603050405020304" pitchFamily="18" charset="0"/>
-              <a:ea typeface="MS Mincho" panose="02020609040205080304" pitchFamily="49" charset="-128"/>
-            </a:endParaRPr>
           </a:p>
         </p:txBody>
       </p:sp>
@@ -8437,156 +8020,6 @@
           </a:p>
         </p:txBody>
       </p:sp>
-      <p:pic>
-        <p:nvPicPr>
-          <p:cNvPr id="23" name="Рисунок 22">
-            <a:extLst>
-              <a:ext uri="{FF2B5EF4-FFF2-40B4-BE49-F238E27FC236}">
-                <a16:creationId xmlns:a16="http://schemas.microsoft.com/office/drawing/2014/main" id="{6CD01123-A46F-E64E-D199-89613B218A07}"/>
-              </a:ext>
-            </a:extLst>
-          </p:cNvPr>
-          <p:cNvPicPr>
-            <a:picLocks noChangeAspect="1"/>
-          </p:cNvPicPr>
-          <p:nvPr/>
-        </p:nvPicPr>
-        <p:blipFill>
-          <a:blip r:embed="rId3"/>
-          <a:stretch>
-            <a:fillRect/>
-          </a:stretch>
-        </p:blipFill>
-        <p:spPr>
-          <a:xfrm>
-            <a:off x="5742633" y="4797122"/>
-            <a:ext cx="1507714" cy="1507714"/>
-          </a:xfrm>
-          <a:prstGeom prst="rect">
-            <a:avLst/>
-          </a:prstGeom>
-        </p:spPr>
-      </p:pic>
-      <p:pic>
-        <p:nvPicPr>
-          <p:cNvPr id="27" name="Рисунок 26">
-            <a:extLst>
-              <a:ext uri="{FF2B5EF4-FFF2-40B4-BE49-F238E27FC236}">
-                <a16:creationId xmlns:a16="http://schemas.microsoft.com/office/drawing/2014/main" id="{34FD55DE-327B-D4F3-7069-B35A2830CBB6}"/>
-              </a:ext>
-            </a:extLst>
-          </p:cNvPr>
-          <p:cNvPicPr>
-            <a:picLocks noChangeAspect="1"/>
-          </p:cNvPicPr>
-          <p:nvPr/>
-        </p:nvPicPr>
-        <p:blipFill>
-          <a:blip r:embed="rId4"/>
-          <a:stretch>
-            <a:fillRect/>
-          </a:stretch>
-        </p:blipFill>
-        <p:spPr>
-          <a:xfrm>
-            <a:off x="8192452" y="4608935"/>
-            <a:ext cx="1625835" cy="1625835"/>
-          </a:xfrm>
-          <a:prstGeom prst="rect">
-            <a:avLst/>
-          </a:prstGeom>
-        </p:spPr>
-      </p:pic>
-      <p:pic>
-        <p:nvPicPr>
-          <p:cNvPr id="30" name="Рисунок 29">
-            <a:extLst>
-              <a:ext uri="{FF2B5EF4-FFF2-40B4-BE49-F238E27FC236}">
-                <a16:creationId xmlns:a16="http://schemas.microsoft.com/office/drawing/2014/main" id="{ADE419CE-D4AA-A60E-0D95-B9AF3FA223B2}"/>
-              </a:ext>
-            </a:extLst>
-          </p:cNvPr>
-          <p:cNvPicPr>
-            <a:picLocks noChangeAspect="1"/>
-          </p:cNvPicPr>
-          <p:nvPr/>
-        </p:nvPicPr>
-        <p:blipFill>
-          <a:blip r:embed="rId5"/>
-          <a:stretch>
-            <a:fillRect/>
-          </a:stretch>
-        </p:blipFill>
-        <p:spPr>
-          <a:xfrm>
-            <a:off x="4744027" y="2354973"/>
-            <a:ext cx="1521952" cy="1521952"/>
-          </a:xfrm>
-          <a:prstGeom prst="rect">
-            <a:avLst/>
-          </a:prstGeom>
-        </p:spPr>
-      </p:pic>
-      <p:pic>
-        <p:nvPicPr>
-          <p:cNvPr id="32" name="Рисунок 31">
-            <a:extLst>
-              <a:ext uri="{FF2B5EF4-FFF2-40B4-BE49-F238E27FC236}">
-                <a16:creationId xmlns:a16="http://schemas.microsoft.com/office/drawing/2014/main" id="{2AAC30A7-2B3A-F6EA-7E10-03075B3B93E3}"/>
-              </a:ext>
-            </a:extLst>
-          </p:cNvPr>
-          <p:cNvPicPr>
-            <a:picLocks noChangeAspect="1"/>
-          </p:cNvPicPr>
-          <p:nvPr/>
-        </p:nvPicPr>
-        <p:blipFill>
-          <a:blip r:embed="rId6"/>
-          <a:stretch>
-            <a:fillRect/>
-          </a:stretch>
-        </p:blipFill>
-        <p:spPr>
-          <a:xfrm>
-            <a:off x="6752192" y="2338567"/>
-            <a:ext cx="1598054" cy="1598054"/>
-          </a:xfrm>
-          <a:prstGeom prst="rect">
-            <a:avLst/>
-          </a:prstGeom>
-        </p:spPr>
-      </p:pic>
-      <p:pic>
-        <p:nvPicPr>
-          <p:cNvPr id="35" name="Рисунок 34">
-            <a:extLst>
-              <a:ext uri="{FF2B5EF4-FFF2-40B4-BE49-F238E27FC236}">
-                <a16:creationId xmlns:a16="http://schemas.microsoft.com/office/drawing/2014/main" id="{AFD9950A-0F9F-F71B-7C53-640ED61C6081}"/>
-              </a:ext>
-            </a:extLst>
-          </p:cNvPr>
-          <p:cNvPicPr>
-            <a:picLocks noChangeAspect="1"/>
-          </p:cNvPicPr>
-          <p:nvPr/>
-        </p:nvPicPr>
-        <p:blipFill>
-          <a:blip r:embed="rId7"/>
-          <a:stretch>
-            <a:fillRect/>
-          </a:stretch>
-        </p:blipFill>
-        <p:spPr>
-          <a:xfrm>
-            <a:off x="9005369" y="2326095"/>
-            <a:ext cx="1750024" cy="1750024"/>
-          </a:xfrm>
-          <a:prstGeom prst="rect">
-            <a:avLst/>
-          </a:prstGeom>
-        </p:spPr>
-      </p:pic>
       <p:sp>
         <p:nvSpPr>
           <p:cNvPr id="36" name="Прямоугольник 35">
@@ -8636,36 +8069,855 @@
           </a:p>
         </p:txBody>
       </p:sp>
-      <p:pic>
-        <p:nvPicPr>
-          <p:cNvPr id="37" name="Рисунок 36">
+      <p:grpSp>
+        <p:nvGrpSpPr>
+          <p:cNvPr id="8" name="Группа 7">
             <a:extLst>
               <a:ext uri="{FF2B5EF4-FFF2-40B4-BE49-F238E27FC236}">
-                <a16:creationId xmlns:a16="http://schemas.microsoft.com/office/drawing/2014/main" id="{21E9AEB5-7EF8-2F16-9B2C-FAA73C7FBD56}"/>
+                <a16:creationId xmlns:a16="http://schemas.microsoft.com/office/drawing/2014/main" id="{4869C040-BFBA-6BFB-CD74-D19F65221002}"/>
               </a:ext>
             </a:extLst>
           </p:cNvPr>
-          <p:cNvPicPr>
-            <a:picLocks noChangeAspect="1"/>
-          </p:cNvPicPr>
-          <p:nvPr/>
-        </p:nvPicPr>
-        <p:blipFill>
-          <a:blip r:embed="rId8"/>
-          <a:stretch>
-            <a:fillRect/>
-          </a:stretch>
-        </p:blipFill>
-        <p:spPr>
-          <a:xfrm>
-            <a:off x="3302392" y="4608935"/>
-            <a:ext cx="1625836" cy="1625836"/>
-          </a:xfrm>
-          <a:prstGeom prst="rect">
-            <a:avLst/>
-          </a:prstGeom>
-        </p:spPr>
-      </p:pic>
+          <p:cNvGrpSpPr/>
+          <p:nvPr/>
+        </p:nvGrpSpPr>
+        <p:grpSpPr>
+          <a:xfrm>
+            <a:off x="968461" y="1702646"/>
+            <a:ext cx="1981554" cy="2661180"/>
+            <a:chOff x="2948618" y="1684638"/>
+            <a:chExt cx="1981554" cy="2661180"/>
+          </a:xfrm>
+        </p:grpSpPr>
+        <p:sp>
+          <p:nvSpPr>
+            <p:cNvPr id="4" name="Text 1"/>
+            <p:cNvSpPr/>
+            <p:nvPr/>
+          </p:nvSpPr>
+          <p:spPr>
+            <a:xfrm>
+              <a:off x="3989308" y="2959179"/>
+              <a:ext cx="130016" cy="453509"/>
+            </a:xfrm>
+            <a:prstGeom prst="rect">
+              <a:avLst/>
+            </a:prstGeom>
+            <a:noFill/>
+            <a:ln/>
+          </p:spPr>
+          <p:txBody>
+            <a:bodyPr wrap="none" lIns="0" tIns="0" rIns="0" bIns="0" rtlCol="0" anchor="t"/>
+            <a:lstStyle/>
+            <a:p>
+              <a:pPr marL="0" indent="0" algn="ctr">
+                <a:lnSpc>
+                  <a:spcPts val="3550"/>
+                </a:lnSpc>
+                <a:buNone/>
+              </a:pPr>
+              <a:endParaRPr lang="en-US" sz="2200" dirty="0"/>
+            </a:p>
+          </p:txBody>
+        </p:sp>
+        <p:pic>
+          <p:nvPicPr>
+            <p:cNvPr id="27" name="Рисунок 26">
+              <a:extLst>
+                <a:ext uri="{FF2B5EF4-FFF2-40B4-BE49-F238E27FC236}">
+                  <a16:creationId xmlns:a16="http://schemas.microsoft.com/office/drawing/2014/main" id="{34FD55DE-327B-D4F3-7069-B35A2830CBB6}"/>
+                </a:ext>
+              </a:extLst>
+            </p:cNvPr>
+            <p:cNvPicPr>
+              <a:picLocks noChangeAspect="1"/>
+            </p:cNvPicPr>
+            <p:nvPr/>
+          </p:nvPicPr>
+          <p:blipFill>
+            <a:blip r:embed="rId3"/>
+            <a:stretch>
+              <a:fillRect/>
+            </a:stretch>
+          </p:blipFill>
+          <p:spPr>
+            <a:xfrm>
+              <a:off x="2948618" y="2719983"/>
+              <a:ext cx="1625835" cy="1625835"/>
+            </a:xfrm>
+            <a:prstGeom prst="rect">
+              <a:avLst/>
+            </a:prstGeom>
+          </p:spPr>
+        </p:pic>
+        <p:sp>
+          <p:nvSpPr>
+            <p:cNvPr id="7" name="TextBox 6">
+              <a:extLst>
+                <a:ext uri="{FF2B5EF4-FFF2-40B4-BE49-F238E27FC236}">
+                  <a16:creationId xmlns:a16="http://schemas.microsoft.com/office/drawing/2014/main" id="{DE817458-60FD-45EE-FE24-915FBB2C0F5B}"/>
+                </a:ext>
+              </a:extLst>
+            </p:cNvPr>
+            <p:cNvSpPr txBox="1"/>
+            <p:nvPr/>
+          </p:nvSpPr>
+          <p:spPr>
+            <a:xfrm>
+              <a:off x="3048444" y="1684638"/>
+              <a:ext cx="1881728" cy="1031501"/>
+            </a:xfrm>
+            <a:prstGeom prst="rect">
+              <a:avLst/>
+            </a:prstGeom>
+            <a:noFill/>
+          </p:spPr>
+          <p:txBody>
+            <a:bodyPr wrap="square">
+              <a:spAutoFit/>
+            </a:bodyPr>
+            <a:lstStyle/>
+            <a:p>
+              <a:pPr>
+                <a:lnSpc>
+                  <a:spcPct val="200000"/>
+                </a:lnSpc>
+              </a:pPr>
+              <a:r>
+                <a:rPr lang="en-US" sz="3600" dirty="0">
+                  <a:solidFill>
+                    <a:schemeClr val="bg1">
+                      <a:lumMod val="75000"/>
+                    </a:schemeClr>
+                  </a:solidFill>
+                  <a:latin typeface="Times New Roman" panose="02020603050405020304" pitchFamily="18" charset="0"/>
+                  <a:ea typeface="MS Mincho" panose="02020609040205080304" pitchFamily="49" charset="-128"/>
+                </a:rPr>
+                <a:t>Django</a:t>
+              </a:r>
+              <a:endParaRPr lang="en-US" sz="3600" dirty="0">
+                <a:solidFill>
+                  <a:schemeClr val="bg1">
+                    <a:lumMod val="75000"/>
+                  </a:schemeClr>
+                </a:solidFill>
+                <a:effectLst/>
+                <a:latin typeface="Times New Roman" panose="02020603050405020304" pitchFamily="18" charset="0"/>
+                <a:ea typeface="MS Mincho" panose="02020609040205080304" pitchFamily="49" charset="-128"/>
+              </a:endParaRPr>
+            </a:p>
+          </p:txBody>
+        </p:sp>
+      </p:grpSp>
+      <p:grpSp>
+        <p:nvGrpSpPr>
+          <p:cNvPr id="13" name="Группа 12">
+            <a:extLst>
+              <a:ext uri="{FF2B5EF4-FFF2-40B4-BE49-F238E27FC236}">
+                <a16:creationId xmlns:a16="http://schemas.microsoft.com/office/drawing/2014/main" id="{1C65EE40-E3AC-9A90-E7D5-CD96BA7E2AA2}"/>
+              </a:ext>
+            </a:extLst>
+          </p:cNvPr>
+          <p:cNvGrpSpPr/>
+          <p:nvPr/>
+        </p:nvGrpSpPr>
+        <p:grpSpPr>
+          <a:xfrm>
+            <a:off x="3543301" y="2048591"/>
+            <a:ext cx="1521952" cy="2339446"/>
+            <a:chOff x="3927312" y="3584360"/>
+            <a:chExt cx="1521952" cy="2339446"/>
+          </a:xfrm>
+        </p:grpSpPr>
+        <p:pic>
+          <p:nvPicPr>
+            <p:cNvPr id="30" name="Рисунок 29">
+              <a:extLst>
+                <a:ext uri="{FF2B5EF4-FFF2-40B4-BE49-F238E27FC236}">
+                  <a16:creationId xmlns:a16="http://schemas.microsoft.com/office/drawing/2014/main" id="{ADE419CE-D4AA-A60E-0D95-B9AF3FA223B2}"/>
+                </a:ext>
+              </a:extLst>
+            </p:cNvPr>
+            <p:cNvPicPr>
+              <a:picLocks noChangeAspect="1"/>
+            </p:cNvPicPr>
+            <p:nvPr/>
+          </p:nvPicPr>
+          <p:blipFill>
+            <a:blip r:embed="rId4"/>
+            <a:stretch>
+              <a:fillRect/>
+            </a:stretch>
+          </p:blipFill>
+          <p:spPr>
+            <a:xfrm>
+              <a:off x="3927312" y="4401854"/>
+              <a:ext cx="1521952" cy="1521952"/>
+            </a:xfrm>
+            <a:prstGeom prst="rect">
+              <a:avLst/>
+            </a:prstGeom>
+          </p:spPr>
+        </p:pic>
+        <p:sp>
+          <p:nvSpPr>
+            <p:cNvPr id="12" name="TextBox 11">
+              <a:extLst>
+                <a:ext uri="{FF2B5EF4-FFF2-40B4-BE49-F238E27FC236}">
+                  <a16:creationId xmlns:a16="http://schemas.microsoft.com/office/drawing/2014/main" id="{DF9B13E6-96FC-A9B9-2F95-BDF8B6F97BF1}"/>
+                </a:ext>
+              </a:extLst>
+            </p:cNvPr>
+            <p:cNvSpPr txBox="1"/>
+            <p:nvPr/>
+          </p:nvSpPr>
+          <p:spPr>
+            <a:xfrm>
+              <a:off x="4080129" y="3584360"/>
+              <a:ext cx="1333415" cy="822789"/>
+            </a:xfrm>
+            <a:prstGeom prst="rect">
+              <a:avLst/>
+            </a:prstGeom>
+            <a:noFill/>
+          </p:spPr>
+          <p:txBody>
+            <a:bodyPr wrap="square">
+              <a:spAutoFit/>
+            </a:bodyPr>
+            <a:lstStyle/>
+            <a:p>
+              <a:pPr marR="0" lvl="0" algn="l" defTabSz="914400" rtl="0" eaLnBrk="1" fontAlgn="auto" latinLnBrk="0" hangingPunct="1">
+                <a:lnSpc>
+                  <a:spcPct val="200000"/>
+                </a:lnSpc>
+                <a:spcBef>
+                  <a:spcPts val="0"/>
+                </a:spcBef>
+                <a:spcAft>
+                  <a:spcPts val="0"/>
+                </a:spcAft>
+                <a:buClrTx/>
+                <a:buSzTx/>
+                <a:tabLst/>
+                <a:defRPr/>
+              </a:pPr>
+              <a:r>
+                <a:rPr kumimoji="0" lang="ru-RU" sz="2800" b="0" i="0" u="none" strike="noStrike" kern="1200" cap="none" spc="0" normalizeH="0" baseline="0" noProof="0" dirty="0">
+                  <a:ln>
+                    <a:noFill/>
+                  </a:ln>
+                  <a:solidFill>
+                    <a:prstClr val="white">
+                      <a:lumMod val="75000"/>
+                    </a:prstClr>
+                  </a:solidFill>
+                  <a:effectLst/>
+                  <a:uLnTx/>
+                  <a:uFillTx/>
+                  <a:latin typeface="Times New Roman" panose="02020603050405020304" pitchFamily="18" charset="0"/>
+                  <a:ea typeface="MS Mincho" panose="02020609040205080304" pitchFamily="49" charset="-128"/>
+                  <a:cs typeface="+mn-cs"/>
+                </a:rPr>
+                <a:t>HTML </a:t>
+              </a:r>
+              <a:endParaRPr kumimoji="0" lang="en-US" sz="2800" b="0" i="0" u="none" strike="noStrike" kern="1200" cap="none" spc="0" normalizeH="0" baseline="0" noProof="0" dirty="0">
+                <a:ln>
+                  <a:noFill/>
+                </a:ln>
+                <a:solidFill>
+                  <a:prstClr val="white">
+                    <a:lumMod val="75000"/>
+                  </a:prstClr>
+                </a:solidFill>
+                <a:effectLst/>
+                <a:uLnTx/>
+                <a:uFillTx/>
+                <a:latin typeface="Times New Roman" panose="02020603050405020304" pitchFamily="18" charset="0"/>
+                <a:ea typeface="MS Mincho" panose="02020609040205080304" pitchFamily="49" charset="-128"/>
+                <a:cs typeface="+mn-cs"/>
+              </a:endParaRPr>
+            </a:p>
+          </p:txBody>
+        </p:sp>
+      </p:grpSp>
+      <p:grpSp>
+        <p:nvGrpSpPr>
+          <p:cNvPr id="17" name="Группа 16">
+            <a:extLst>
+              <a:ext uri="{FF2B5EF4-FFF2-40B4-BE49-F238E27FC236}">
+                <a16:creationId xmlns:a16="http://schemas.microsoft.com/office/drawing/2014/main" id="{6E3E8908-B31A-FB2B-BC9E-5B2FCDFC56E6}"/>
+              </a:ext>
+            </a:extLst>
+          </p:cNvPr>
+          <p:cNvGrpSpPr/>
+          <p:nvPr/>
+        </p:nvGrpSpPr>
+        <p:grpSpPr>
+          <a:xfrm>
+            <a:off x="9294685" y="1865589"/>
+            <a:ext cx="1623290" cy="2451906"/>
+            <a:chOff x="5634277" y="2043296"/>
+            <a:chExt cx="1598054" cy="2451906"/>
+          </a:xfrm>
+        </p:grpSpPr>
+        <p:pic>
+          <p:nvPicPr>
+            <p:cNvPr id="32" name="Рисунок 31">
+              <a:extLst>
+                <a:ext uri="{FF2B5EF4-FFF2-40B4-BE49-F238E27FC236}">
+                  <a16:creationId xmlns:a16="http://schemas.microsoft.com/office/drawing/2014/main" id="{2AAC30A7-2B3A-F6EA-7E10-03075B3B93E3}"/>
+                </a:ext>
+              </a:extLst>
+            </p:cNvPr>
+            <p:cNvPicPr>
+              <a:picLocks noChangeAspect="1"/>
+            </p:cNvPicPr>
+            <p:nvPr/>
+          </p:nvPicPr>
+          <p:blipFill>
+            <a:blip r:embed="rId5"/>
+            <a:stretch>
+              <a:fillRect/>
+            </a:stretch>
+          </p:blipFill>
+          <p:spPr>
+            <a:xfrm>
+              <a:off x="5634277" y="2897148"/>
+              <a:ext cx="1598054" cy="1598054"/>
+            </a:xfrm>
+            <a:prstGeom prst="rect">
+              <a:avLst/>
+            </a:prstGeom>
+          </p:spPr>
+        </p:pic>
+        <p:sp>
+          <p:nvSpPr>
+            <p:cNvPr id="15" name="TextBox 14">
+              <a:extLst>
+                <a:ext uri="{FF2B5EF4-FFF2-40B4-BE49-F238E27FC236}">
+                  <a16:creationId xmlns:a16="http://schemas.microsoft.com/office/drawing/2014/main" id="{73814CFF-C72D-AA76-9C3C-3D4EE541FD24}"/>
+                </a:ext>
+              </a:extLst>
+            </p:cNvPr>
+            <p:cNvSpPr txBox="1"/>
+            <p:nvPr/>
+          </p:nvSpPr>
+          <p:spPr>
+            <a:xfrm>
+              <a:off x="5994262" y="2043296"/>
+              <a:ext cx="1178404" cy="822789"/>
+            </a:xfrm>
+            <a:prstGeom prst="rect">
+              <a:avLst/>
+            </a:prstGeom>
+            <a:noFill/>
+          </p:spPr>
+          <p:txBody>
+            <a:bodyPr wrap="square">
+              <a:spAutoFit/>
+            </a:bodyPr>
+            <a:lstStyle/>
+            <a:p>
+              <a:pPr marR="0" lvl="0" algn="l" defTabSz="914400" rtl="0" eaLnBrk="1" fontAlgn="auto" latinLnBrk="0" hangingPunct="1">
+                <a:lnSpc>
+                  <a:spcPct val="200000"/>
+                </a:lnSpc>
+                <a:spcBef>
+                  <a:spcPts val="0"/>
+                </a:spcBef>
+                <a:spcAft>
+                  <a:spcPts val="0"/>
+                </a:spcAft>
+                <a:buClrTx/>
+                <a:buSzTx/>
+                <a:tabLst/>
+                <a:defRPr/>
+              </a:pPr>
+              <a:r>
+                <a:rPr kumimoji="0" lang="ru-RU" sz="2800" b="0" i="0" u="none" strike="noStrike" kern="1200" cap="none" spc="0" normalizeH="0" baseline="0" noProof="0" dirty="0">
+                  <a:ln>
+                    <a:noFill/>
+                  </a:ln>
+                  <a:solidFill>
+                    <a:prstClr val="white">
+                      <a:lumMod val="75000"/>
+                    </a:prstClr>
+                  </a:solidFill>
+                  <a:effectLst/>
+                  <a:uLnTx/>
+                  <a:uFillTx/>
+                  <a:latin typeface="Times New Roman" panose="02020603050405020304" pitchFamily="18" charset="0"/>
+                  <a:ea typeface="MS Mincho" panose="02020609040205080304" pitchFamily="49" charset="-128"/>
+                  <a:cs typeface="+mn-cs"/>
+                </a:rPr>
+                <a:t>CSS</a:t>
+              </a:r>
+              <a:endParaRPr kumimoji="0" lang="en-US" sz="2800" b="0" i="0" u="none" strike="noStrike" kern="1200" cap="none" spc="0" normalizeH="0" baseline="0" noProof="0" dirty="0">
+                <a:ln>
+                  <a:noFill/>
+                </a:ln>
+                <a:solidFill>
+                  <a:prstClr val="white">
+                    <a:lumMod val="75000"/>
+                  </a:prstClr>
+                </a:solidFill>
+                <a:effectLst/>
+                <a:uLnTx/>
+                <a:uFillTx/>
+                <a:latin typeface="Times New Roman" panose="02020603050405020304" pitchFamily="18" charset="0"/>
+                <a:ea typeface="MS Mincho" panose="02020609040205080304" pitchFamily="49" charset="-128"/>
+                <a:cs typeface="+mn-cs"/>
+              </a:endParaRPr>
+            </a:p>
+          </p:txBody>
+        </p:sp>
+      </p:grpSp>
+      <p:grpSp>
+        <p:nvGrpSpPr>
+          <p:cNvPr id="22" name="Группа 21">
+            <a:extLst>
+              <a:ext uri="{FF2B5EF4-FFF2-40B4-BE49-F238E27FC236}">
+                <a16:creationId xmlns:a16="http://schemas.microsoft.com/office/drawing/2014/main" id="{165AFF63-B38B-886D-5FD3-DB3F6FD84191}"/>
+              </a:ext>
+            </a:extLst>
+          </p:cNvPr>
+          <p:cNvGrpSpPr/>
+          <p:nvPr/>
+        </p:nvGrpSpPr>
+        <p:grpSpPr>
+          <a:xfrm>
+            <a:off x="6085084" y="1797747"/>
+            <a:ext cx="1979547" cy="2677201"/>
+            <a:chOff x="5966274" y="2554043"/>
+            <a:chExt cx="1979547" cy="2677201"/>
+          </a:xfrm>
+        </p:grpSpPr>
+        <p:pic>
+          <p:nvPicPr>
+            <p:cNvPr id="35" name="Рисунок 34">
+              <a:extLst>
+                <a:ext uri="{FF2B5EF4-FFF2-40B4-BE49-F238E27FC236}">
+                  <a16:creationId xmlns:a16="http://schemas.microsoft.com/office/drawing/2014/main" id="{AFD9950A-0F9F-F71B-7C53-640ED61C6081}"/>
+                </a:ext>
+              </a:extLst>
+            </p:cNvPr>
+            <p:cNvPicPr>
+              <a:picLocks noChangeAspect="1"/>
+            </p:cNvPicPr>
+            <p:nvPr/>
+          </p:nvPicPr>
+          <p:blipFill>
+            <a:blip r:embed="rId6"/>
+            <a:stretch>
+              <a:fillRect/>
+            </a:stretch>
+          </p:blipFill>
+          <p:spPr>
+            <a:xfrm>
+              <a:off x="5966274" y="3481220"/>
+              <a:ext cx="1750024" cy="1750024"/>
+            </a:xfrm>
+            <a:prstGeom prst="rect">
+              <a:avLst/>
+            </a:prstGeom>
+          </p:spPr>
+        </p:pic>
+        <p:sp>
+          <p:nvSpPr>
+            <p:cNvPr id="21" name="TextBox 20">
+              <a:extLst>
+                <a:ext uri="{FF2B5EF4-FFF2-40B4-BE49-F238E27FC236}">
+                  <a16:creationId xmlns:a16="http://schemas.microsoft.com/office/drawing/2014/main" id="{A7309A03-BB4F-0D28-9949-3D0283DC23E9}"/>
+                </a:ext>
+              </a:extLst>
+            </p:cNvPr>
+            <p:cNvSpPr txBox="1"/>
+            <p:nvPr/>
+          </p:nvSpPr>
+          <p:spPr>
+            <a:xfrm>
+              <a:off x="5966274" y="2554043"/>
+              <a:ext cx="1979547" cy="927177"/>
+            </a:xfrm>
+            <a:prstGeom prst="rect">
+              <a:avLst/>
+            </a:prstGeom>
+            <a:noFill/>
+          </p:spPr>
+          <p:txBody>
+            <a:bodyPr wrap="square">
+              <a:spAutoFit/>
+            </a:bodyPr>
+            <a:lstStyle/>
+            <a:p>
+              <a:pPr>
+                <a:lnSpc>
+                  <a:spcPct val="200000"/>
+                </a:lnSpc>
+              </a:pPr>
+              <a:r>
+                <a:rPr lang="ru-RU" sz="3200" dirty="0">
+                  <a:solidFill>
+                    <a:schemeClr val="bg1">
+                      <a:lumMod val="75000"/>
+                    </a:schemeClr>
+                  </a:solidFill>
+                  <a:effectLst/>
+                  <a:latin typeface="Times New Roman" panose="02020603050405020304" pitchFamily="18" charset="0"/>
+                  <a:ea typeface="MS Mincho" panose="02020609040205080304" pitchFamily="49" charset="-128"/>
+                </a:rPr>
+                <a:t>JavaScript </a:t>
+              </a:r>
+              <a:endParaRPr lang="en-US" sz="3200" dirty="0">
+                <a:solidFill>
+                  <a:schemeClr val="bg1">
+                    <a:lumMod val="75000"/>
+                  </a:schemeClr>
+                </a:solidFill>
+                <a:effectLst/>
+                <a:latin typeface="Times New Roman" panose="02020603050405020304" pitchFamily="18" charset="0"/>
+                <a:ea typeface="MS Mincho" panose="02020609040205080304" pitchFamily="49" charset="-128"/>
+              </a:endParaRPr>
+            </a:p>
+          </p:txBody>
+        </p:sp>
+      </p:grpSp>
+      <p:grpSp>
+        <p:nvGrpSpPr>
+          <p:cNvPr id="28" name="Группа 27">
+            <a:extLst>
+              <a:ext uri="{FF2B5EF4-FFF2-40B4-BE49-F238E27FC236}">
+                <a16:creationId xmlns:a16="http://schemas.microsoft.com/office/drawing/2014/main" id="{CED1048F-E45B-D2B6-2E69-68ED9ED9CF20}"/>
+              </a:ext>
+            </a:extLst>
+          </p:cNvPr>
+          <p:cNvGrpSpPr/>
+          <p:nvPr/>
+        </p:nvGrpSpPr>
+        <p:grpSpPr>
+          <a:xfrm>
+            <a:off x="9294685" y="4922758"/>
+            <a:ext cx="1830236" cy="2604060"/>
+            <a:chOff x="5444606" y="4426581"/>
+            <a:chExt cx="1830236" cy="2604060"/>
+          </a:xfrm>
+        </p:grpSpPr>
+        <p:pic>
+          <p:nvPicPr>
+            <p:cNvPr id="23" name="Рисунок 22">
+              <a:extLst>
+                <a:ext uri="{FF2B5EF4-FFF2-40B4-BE49-F238E27FC236}">
+                  <a16:creationId xmlns:a16="http://schemas.microsoft.com/office/drawing/2014/main" id="{6CD01123-A46F-E64E-D199-89613B218A07}"/>
+                </a:ext>
+              </a:extLst>
+            </p:cNvPr>
+            <p:cNvPicPr>
+              <a:picLocks noChangeAspect="1"/>
+            </p:cNvPicPr>
+            <p:nvPr/>
+          </p:nvPicPr>
+          <p:blipFill>
+            <a:blip r:embed="rId7"/>
+            <a:stretch>
+              <a:fillRect/>
+            </a:stretch>
+          </p:blipFill>
+          <p:spPr>
+            <a:xfrm>
+              <a:off x="5444606" y="5224380"/>
+              <a:ext cx="1806261" cy="1806261"/>
+            </a:xfrm>
+            <a:prstGeom prst="rect">
+              <a:avLst/>
+            </a:prstGeom>
+          </p:spPr>
+        </p:pic>
+        <p:sp>
+          <p:nvSpPr>
+            <p:cNvPr id="26" name="TextBox 25">
+              <a:extLst>
+                <a:ext uri="{FF2B5EF4-FFF2-40B4-BE49-F238E27FC236}">
+                  <a16:creationId xmlns:a16="http://schemas.microsoft.com/office/drawing/2014/main" id="{D4BEF611-4369-6F93-D234-2CF9A3A718BF}"/>
+                </a:ext>
+              </a:extLst>
+            </p:cNvPr>
+            <p:cNvSpPr txBox="1"/>
+            <p:nvPr/>
+          </p:nvSpPr>
+          <p:spPr>
+            <a:xfrm>
+              <a:off x="5529168" y="4426581"/>
+              <a:ext cx="1745674" cy="927177"/>
+            </a:xfrm>
+            <a:prstGeom prst="rect">
+              <a:avLst/>
+            </a:prstGeom>
+            <a:noFill/>
+          </p:spPr>
+          <p:txBody>
+            <a:bodyPr wrap="square">
+              <a:spAutoFit/>
+            </a:bodyPr>
+            <a:lstStyle/>
+            <a:p>
+              <a:pPr>
+                <a:lnSpc>
+                  <a:spcPct val="200000"/>
+                </a:lnSpc>
+              </a:pPr>
+              <a:r>
+                <a:rPr lang="ru-RU" sz="3200" dirty="0">
+                  <a:solidFill>
+                    <a:schemeClr val="bg1">
+                      <a:lumMod val="75000"/>
+                    </a:schemeClr>
+                  </a:solidFill>
+                  <a:effectLst/>
+                  <a:latin typeface="Times New Roman" panose="02020603050405020304" pitchFamily="18" charset="0"/>
+                  <a:ea typeface="MS Mincho" panose="02020609040205080304" pitchFamily="49" charset="-128"/>
+                </a:rPr>
+                <a:t>MariaDB</a:t>
+              </a:r>
+              <a:endParaRPr lang="en-US" sz="3200" dirty="0">
+                <a:solidFill>
+                  <a:schemeClr val="bg1">
+                    <a:lumMod val="75000"/>
+                  </a:schemeClr>
+                </a:solidFill>
+                <a:effectLst/>
+                <a:latin typeface="Times New Roman" panose="02020603050405020304" pitchFamily="18" charset="0"/>
+                <a:ea typeface="MS Mincho" panose="02020609040205080304" pitchFamily="49" charset="-128"/>
+              </a:endParaRPr>
+            </a:p>
+          </p:txBody>
+        </p:sp>
+      </p:grpSp>
+      <p:grpSp>
+        <p:nvGrpSpPr>
+          <p:cNvPr id="33" name="Группа 32">
+            <a:extLst>
+              <a:ext uri="{FF2B5EF4-FFF2-40B4-BE49-F238E27FC236}">
+                <a16:creationId xmlns:a16="http://schemas.microsoft.com/office/drawing/2014/main" id="{22C1EDF2-D66C-46E2-A4E5-BBA68120670F}"/>
+              </a:ext>
+            </a:extLst>
+          </p:cNvPr>
+          <p:cNvGrpSpPr/>
+          <p:nvPr/>
+        </p:nvGrpSpPr>
+        <p:grpSpPr>
+          <a:xfrm>
+            <a:off x="4782912" y="4764474"/>
+            <a:ext cx="2240451" cy="2688762"/>
+            <a:chOff x="7180037" y="4494904"/>
+            <a:chExt cx="2240451" cy="2688762"/>
+          </a:xfrm>
+        </p:grpSpPr>
+        <p:pic>
+          <p:nvPicPr>
+            <p:cNvPr id="37" name="Рисунок 36">
+              <a:extLst>
+                <a:ext uri="{FF2B5EF4-FFF2-40B4-BE49-F238E27FC236}">
+                  <a16:creationId xmlns:a16="http://schemas.microsoft.com/office/drawing/2014/main" id="{21E9AEB5-7EF8-2F16-9B2C-FAA73C7FBD56}"/>
+                </a:ext>
+              </a:extLst>
+            </p:cNvPr>
+            <p:cNvPicPr>
+              <a:picLocks noChangeAspect="1"/>
+            </p:cNvPicPr>
+            <p:nvPr/>
+          </p:nvPicPr>
+          <p:blipFill>
+            <a:blip r:embed="rId8"/>
+            <a:stretch>
+              <a:fillRect/>
+            </a:stretch>
+          </p:blipFill>
+          <p:spPr>
+            <a:xfrm>
+              <a:off x="7379534" y="5557830"/>
+              <a:ext cx="1625836" cy="1625836"/>
+            </a:xfrm>
+            <a:prstGeom prst="rect">
+              <a:avLst/>
+            </a:prstGeom>
+          </p:spPr>
+        </p:pic>
+        <p:sp>
+          <p:nvSpPr>
+            <p:cNvPr id="31" name="TextBox 30">
+              <a:extLst>
+                <a:ext uri="{FF2B5EF4-FFF2-40B4-BE49-F238E27FC236}">
+                  <a16:creationId xmlns:a16="http://schemas.microsoft.com/office/drawing/2014/main" id="{1CE0B384-7D0F-C609-8EA6-0CAF9EE73F95}"/>
+                </a:ext>
+              </a:extLst>
+            </p:cNvPr>
+            <p:cNvSpPr txBox="1"/>
+            <p:nvPr/>
+          </p:nvSpPr>
+          <p:spPr>
+            <a:xfrm>
+              <a:off x="7180037" y="4494904"/>
+              <a:ext cx="2240451" cy="1135888"/>
+            </a:xfrm>
+            <a:prstGeom prst="rect">
+              <a:avLst/>
+            </a:prstGeom>
+            <a:noFill/>
+          </p:spPr>
+          <p:txBody>
+            <a:bodyPr wrap="square">
+              <a:spAutoFit/>
+            </a:bodyPr>
+            <a:lstStyle/>
+            <a:p>
+              <a:pPr>
+                <a:lnSpc>
+                  <a:spcPct val="200000"/>
+                </a:lnSpc>
+              </a:pPr>
+              <a:r>
+                <a:rPr lang="en-US" sz="4000" dirty="0">
+                  <a:solidFill>
+                    <a:schemeClr val="bg1">
+                      <a:lumMod val="75000"/>
+                    </a:schemeClr>
+                  </a:solidFill>
+                  <a:latin typeface="Times New Roman" panose="02020603050405020304" pitchFamily="18" charset="0"/>
+                  <a:ea typeface="MS Mincho" panose="02020609040205080304" pitchFamily="49" charset="-128"/>
+                </a:rPr>
+                <a:t>VSCode</a:t>
+              </a:r>
+              <a:endParaRPr lang="en-US" sz="4000" dirty="0">
+                <a:solidFill>
+                  <a:schemeClr val="bg1">
+                    <a:lumMod val="75000"/>
+                  </a:schemeClr>
+                </a:solidFill>
+                <a:effectLst/>
+                <a:latin typeface="Times New Roman" panose="02020603050405020304" pitchFamily="18" charset="0"/>
+                <a:ea typeface="MS Mincho" panose="02020609040205080304" pitchFamily="49" charset="-128"/>
+              </a:endParaRPr>
+            </a:p>
+          </p:txBody>
+        </p:sp>
+      </p:grpSp>
+      <p:grpSp>
+        <p:nvGrpSpPr>
+          <p:cNvPr id="41" name="Группа 40">
+            <a:extLst>
+              <a:ext uri="{FF2B5EF4-FFF2-40B4-BE49-F238E27FC236}">
+                <a16:creationId xmlns:a16="http://schemas.microsoft.com/office/drawing/2014/main" id="{32589DA1-8C51-3A08-D2EE-DCC1D097AAFD}"/>
+              </a:ext>
+            </a:extLst>
+          </p:cNvPr>
+          <p:cNvGrpSpPr/>
+          <p:nvPr/>
+        </p:nvGrpSpPr>
+        <p:grpSpPr>
+          <a:xfrm>
+            <a:off x="717049" y="4421942"/>
+            <a:ext cx="2377049" cy="2851936"/>
+            <a:chOff x="717049" y="4421942"/>
+            <a:chExt cx="2377049" cy="2851936"/>
+          </a:xfrm>
+        </p:grpSpPr>
+        <p:sp>
+          <p:nvSpPr>
+            <p:cNvPr id="38" name="TextBox 37">
+              <a:extLst>
+                <a:ext uri="{FF2B5EF4-FFF2-40B4-BE49-F238E27FC236}">
+                  <a16:creationId xmlns:a16="http://schemas.microsoft.com/office/drawing/2014/main" id="{500B9036-EB62-48A2-3CF2-9AFB4999464D}"/>
+                </a:ext>
+              </a:extLst>
+            </p:cNvPr>
+            <p:cNvSpPr txBox="1"/>
+            <p:nvPr/>
+          </p:nvSpPr>
+          <p:spPr>
+            <a:xfrm>
+              <a:off x="853647" y="4421942"/>
+              <a:ext cx="2240451" cy="1135888"/>
+            </a:xfrm>
+            <a:prstGeom prst="rect">
+              <a:avLst/>
+            </a:prstGeom>
+            <a:noFill/>
+          </p:spPr>
+          <p:txBody>
+            <a:bodyPr wrap="square">
+              <a:spAutoFit/>
+            </a:bodyPr>
+            <a:lstStyle/>
+            <a:p>
+              <a:pPr marR="0" lvl="0" algn="l" defTabSz="914400" rtl="0" eaLnBrk="1" fontAlgn="auto" latinLnBrk="0" hangingPunct="1">
+                <a:lnSpc>
+                  <a:spcPct val="200000"/>
+                </a:lnSpc>
+                <a:spcBef>
+                  <a:spcPts val="0"/>
+                </a:spcBef>
+                <a:spcAft>
+                  <a:spcPts val="0"/>
+                </a:spcAft>
+                <a:buClrTx/>
+                <a:buSzTx/>
+                <a:tabLst/>
+                <a:defRPr/>
+              </a:pPr>
+              <a:r>
+                <a:rPr kumimoji="0" lang="en-US" sz="4000" b="0" i="0" u="none" strike="noStrike" kern="1200" cap="none" spc="0" normalizeH="0" baseline="0" noProof="0" dirty="0">
+                  <a:ln>
+                    <a:noFill/>
+                  </a:ln>
+                  <a:solidFill>
+                    <a:prstClr val="white">
+                      <a:lumMod val="75000"/>
+                    </a:prstClr>
+                  </a:solidFill>
+                  <a:effectLst/>
+                  <a:uLnTx/>
+                  <a:uFillTx/>
+                  <a:latin typeface="Times New Roman" panose="02020603050405020304" pitchFamily="18" charset="0"/>
+                  <a:ea typeface="MS Mincho" panose="02020609040205080304" pitchFamily="49" charset="-128"/>
+                  <a:cs typeface="+mn-cs"/>
+                </a:rPr>
+                <a:t>Python</a:t>
+              </a:r>
+            </a:p>
+          </p:txBody>
+        </p:sp>
+        <p:pic>
+          <p:nvPicPr>
+            <p:cNvPr id="40" name="Рисунок 39">
+              <a:extLst>
+                <a:ext uri="{FF2B5EF4-FFF2-40B4-BE49-F238E27FC236}">
+                  <a16:creationId xmlns:a16="http://schemas.microsoft.com/office/drawing/2014/main" id="{72B27555-A297-3633-E31E-20AFCE1D5380}"/>
+                </a:ext>
+              </a:extLst>
+            </p:cNvPr>
+            <p:cNvPicPr>
+              <a:picLocks noChangeAspect="1"/>
+            </p:cNvPicPr>
+            <p:nvPr/>
+          </p:nvPicPr>
+          <p:blipFill>
+            <a:blip r:embed="rId9"/>
+            <a:stretch>
+              <a:fillRect/>
+            </a:stretch>
+          </p:blipFill>
+          <p:spPr>
+            <a:xfrm>
+              <a:off x="717049" y="5467617"/>
+              <a:ext cx="1806261" cy="1806261"/>
+            </a:xfrm>
+            <a:prstGeom prst="rect">
+              <a:avLst/>
+            </a:prstGeom>
+          </p:spPr>
+        </p:pic>
+      </p:grpSp>
     </p:spTree>
   </p:cSld>
   <p:clrMapOvr>
@@ -8699,7 +8951,7 @@
         </p:nvSpPr>
         <p:spPr>
           <a:xfrm>
-            <a:off x="641390" y="-41602"/>
+            <a:off x="641390" y="159197"/>
             <a:ext cx="12922210" cy="708779"/>
           </a:xfrm>
           <a:prstGeom prst="rect">
@@ -8719,16 +8971,16 @@
               <a:buNone/>
             </a:pPr>
             <a:r>
-              <a:rPr lang="ru-RU" sz="4000" dirty="0">
+              <a:rPr lang="ru-RU" sz="3600" dirty="0">
                 <a:solidFill>
                   <a:schemeClr val="bg1"/>
                 </a:solidFill>
                 <a:latin typeface="Times New Roman" panose="02020603050405020304" pitchFamily="18" charset="0"/>
                 <a:cs typeface="Times New Roman" panose="02020603050405020304" pitchFamily="18" charset="0"/>
               </a:rPr>
-              <a:t>В рамках реализации проекта проводится  изучение</a:t>
-            </a:r>
-            <a:endParaRPr lang="en-US" sz="4000" dirty="0">
+              <a:t>В РАМКАХ РЕАЛИЗАЦИИ ПРОЕКТА ПРОВОДИТСЯ  ИЗУЧЕНИЕ</a:t>
+            </a:r>
+            <a:endParaRPr lang="en-US" sz="3600" dirty="0">
               <a:solidFill>
                 <a:schemeClr val="bg1"/>
               </a:solidFill>
@@ -8927,8 +9179,8 @@
         </p:nvSpPr>
         <p:spPr>
           <a:xfrm>
-            <a:off x="561257" y="538223"/>
-            <a:ext cx="9163599" cy="7667292"/>
+            <a:off x="469108" y="1467484"/>
+            <a:ext cx="9163599" cy="6068649"/>
           </a:xfrm>
           <a:prstGeom prst="rect">
             <a:avLst/>
@@ -8951,7 +9203,7 @@
               <a:buAutoNum type="arabicPeriod"/>
             </a:pPr>
             <a:r>
-              <a:rPr lang="ru-RU" sz="2000" dirty="0">
+              <a:rPr lang="ru-RU" sz="2400" dirty="0">
                 <a:solidFill>
                   <a:schemeClr val="bg1">
                     <a:lumMod val="75000"/>
@@ -8974,7 +9226,7 @@
               <a:buAutoNum type="arabicPeriod"/>
             </a:pPr>
             <a:r>
-              <a:rPr lang="ru-RU" sz="2000" dirty="0">
+              <a:rPr lang="ru-RU" sz="2400" dirty="0">
                 <a:solidFill>
                   <a:schemeClr val="bg1">
                     <a:lumMod val="75000"/>
@@ -8997,7 +9249,7 @@
               <a:buAutoNum type="arabicPeriod"/>
             </a:pPr>
             <a:r>
-              <a:rPr lang="ru-RU" sz="2000" dirty="0" err="1">
+              <a:rPr lang="ru-RU" sz="2400" dirty="0" err="1">
                 <a:solidFill>
                   <a:schemeClr val="bg1">
                     <a:lumMod val="75000"/>
@@ -9009,7 +9261,7 @@
               <a:t>Django</a:t>
             </a:r>
             <a:r>
-              <a:rPr lang="ru-RU" sz="2000" dirty="0">
+              <a:rPr lang="ru-RU" sz="2400" dirty="0">
                 <a:solidFill>
                   <a:schemeClr val="bg1">
                     <a:lumMod val="75000"/>
@@ -9032,7 +9284,7 @@
               <a:buAutoNum type="arabicPeriod"/>
             </a:pPr>
             <a:r>
-              <a:rPr lang="ru-RU" sz="2000" dirty="0">
+              <a:rPr lang="ru-RU" sz="2400" dirty="0">
                 <a:solidFill>
                   <a:schemeClr val="bg1">
                     <a:lumMod val="75000"/>
@@ -9055,7 +9307,7 @@
               <a:buAutoNum type="arabicPeriod"/>
             </a:pPr>
             <a:r>
-              <a:rPr lang="ru-RU" sz="2000" dirty="0">
+              <a:rPr lang="ru-RU" sz="2400" dirty="0">
                 <a:solidFill>
                   <a:schemeClr val="bg1">
                     <a:lumMod val="75000"/>
@@ -9078,7 +9330,7 @@
               <a:buAutoNum type="arabicPeriod"/>
             </a:pPr>
             <a:r>
-              <a:rPr lang="ru-RU" sz="2000" dirty="0" err="1">
+              <a:rPr lang="ru-RU" sz="2400" dirty="0" err="1">
                 <a:solidFill>
                   <a:schemeClr val="bg1">
                     <a:lumMod val="75000"/>
@@ -9090,7 +9342,7 @@
               <a:t>Django</a:t>
             </a:r>
             <a:r>
-              <a:rPr lang="ru-RU" sz="2000" dirty="0">
+              <a:rPr lang="ru-RU" sz="2400" dirty="0">
                 <a:solidFill>
                   <a:schemeClr val="bg1">
                     <a:lumMod val="75000"/>
@@ -9099,7 +9351,7 @@
                 <a:latin typeface="Times New Roman" panose="02020603050405020304" pitchFamily="18" charset="0"/>
                 <a:cs typeface="Times New Roman" panose="02020603050405020304" pitchFamily="18" charset="0"/>
               </a:rPr>
-              <a:t> ORM — Взаимодействие с базой данных.</a:t>
+              <a:t> ORM — Взаимодействие с базой данных. </a:t>
             </a:r>
           </a:p>
           <a:p>
@@ -9113,7 +9365,7 @@
               <a:buAutoNum type="arabicPeriod"/>
             </a:pPr>
             <a:r>
-              <a:rPr lang="ru-RU" sz="2000" dirty="0">
+              <a:rPr lang="ru-RU" sz="2400" dirty="0" err="1">
                 <a:solidFill>
                   <a:schemeClr val="bg1">
                     <a:lumMod val="75000"/>
@@ -9122,7 +9374,19 @@
                 <a:latin typeface="Times New Roman" panose="02020603050405020304" pitchFamily="18" charset="0"/>
                 <a:cs typeface="Times New Roman" panose="02020603050405020304" pitchFamily="18" charset="0"/>
               </a:rPr>
-              <a:t>Обработка форм — Ввод и валидация данных.</a:t>
+              <a:t>QuerySet</a:t>
+            </a:r>
+            <a:r>
+              <a:rPr lang="ru-RU" sz="2400" dirty="0">
+                <a:solidFill>
+                  <a:schemeClr val="bg1">
+                    <a:lumMod val="75000"/>
+                  </a:schemeClr>
+                </a:solidFill>
+                <a:latin typeface="Times New Roman" panose="02020603050405020304" pitchFamily="18" charset="0"/>
+                <a:cs typeface="Times New Roman" panose="02020603050405020304" pitchFamily="18" charset="0"/>
+              </a:rPr>
+              <a:t> — Оптимизация запросов.  </a:t>
             </a:r>
           </a:p>
           <a:p>
@@ -9136,111 +9400,7 @@
               <a:buAutoNum type="arabicPeriod"/>
             </a:pPr>
             <a:r>
-              <a:rPr lang="ru-RU" sz="2000" dirty="0">
-                <a:solidFill>
-                  <a:schemeClr val="bg1">
-                    <a:lumMod val="75000"/>
-                  </a:schemeClr>
-                </a:solidFill>
-                <a:latin typeface="Times New Roman" panose="02020603050405020304" pitchFamily="18" charset="0"/>
-                <a:cs typeface="Times New Roman" panose="02020603050405020304" pitchFamily="18" charset="0"/>
-              </a:rPr>
-              <a:t>Авторизация и сессии — Управление пользователями.</a:t>
-            </a:r>
-          </a:p>
-          <a:p>
-            <a:pPr marL="457200" indent="-457200">
-              <a:lnSpc>
-                <a:spcPct val="200000"/>
-              </a:lnSpc>
-              <a:spcBef>
-                <a:spcPts val="200"/>
-              </a:spcBef>
-              <a:buAutoNum type="arabicPeriod"/>
-            </a:pPr>
-            <a:r>
-              <a:rPr lang="ru-RU" sz="2000" dirty="0">
-                <a:solidFill>
-                  <a:schemeClr val="bg1">
-                    <a:lumMod val="75000"/>
-                  </a:schemeClr>
-                </a:solidFill>
-                <a:latin typeface="Times New Roman" panose="02020603050405020304" pitchFamily="18" charset="0"/>
-                <a:cs typeface="Times New Roman" panose="02020603050405020304" pitchFamily="18" charset="0"/>
-              </a:rPr>
-              <a:t>Поиск по базе данных — Реализация функционала поиска.</a:t>
-            </a:r>
-          </a:p>
-          <a:p>
-            <a:pPr marL="457200" indent="-457200">
-              <a:lnSpc>
-                <a:spcPct val="200000"/>
-              </a:lnSpc>
-              <a:spcBef>
-                <a:spcPts val="200"/>
-              </a:spcBef>
-              <a:buAutoNum type="arabicPeriod"/>
-            </a:pPr>
-            <a:r>
-              <a:rPr lang="ru-RU" sz="2000" dirty="0" err="1">
-                <a:solidFill>
-                  <a:schemeClr val="bg1">
-                    <a:lumMod val="75000"/>
-                  </a:schemeClr>
-                </a:solidFill>
-                <a:latin typeface="Times New Roman" panose="02020603050405020304" pitchFamily="18" charset="0"/>
-                <a:cs typeface="Times New Roman" panose="02020603050405020304" pitchFamily="18" charset="0"/>
-              </a:rPr>
-              <a:t>QuerySet</a:t>
-            </a:r>
-            <a:r>
-              <a:rPr lang="ru-RU" sz="2000" dirty="0">
-                <a:solidFill>
-                  <a:schemeClr val="bg1">
-                    <a:lumMod val="75000"/>
-                  </a:schemeClr>
-                </a:solidFill>
-                <a:latin typeface="Times New Roman" panose="02020603050405020304" pitchFamily="18" charset="0"/>
-                <a:cs typeface="Times New Roman" panose="02020603050405020304" pitchFamily="18" charset="0"/>
-              </a:rPr>
-              <a:t> — Оптимизация запросов.</a:t>
-            </a:r>
-          </a:p>
-          <a:p>
-            <a:pPr marL="457200" indent="-457200">
-              <a:lnSpc>
-                <a:spcPct val="200000"/>
-              </a:lnSpc>
-              <a:spcBef>
-                <a:spcPts val="200"/>
-              </a:spcBef>
-              <a:buAutoNum type="arabicPeriod"/>
-            </a:pPr>
-            <a:r>
-              <a:rPr lang="ru-RU" sz="2000" dirty="0">
-                <a:solidFill>
-                  <a:schemeClr val="bg1">
-                    <a:lumMod val="75000"/>
-                  </a:schemeClr>
-                </a:solidFill>
-                <a:latin typeface="Times New Roman" panose="02020603050405020304" pitchFamily="18" charset="0"/>
-                <a:cs typeface="Times New Roman" panose="02020603050405020304" pitchFamily="18" charset="0"/>
-              </a:rPr>
-              <a:t>Интеграция с API — Подключение внешних сервисов.</a:t>
-            </a:r>
-          </a:p>
-          <a:p>
-            <a:pPr marL="457200" indent="-457200">
-              <a:lnSpc>
-                <a:spcPct val="200000"/>
-              </a:lnSpc>
-              <a:spcBef>
-                <a:spcPts val="200"/>
-              </a:spcBef>
-              <a:buAutoNum type="arabicPeriod"/>
-            </a:pPr>
-            <a:r>
-              <a:rPr lang="ru-RU" sz="2000" dirty="0">
+              <a:rPr lang="ru-RU" sz="2400" dirty="0">
                 <a:solidFill>
                   <a:schemeClr val="bg1">
                     <a:lumMod val="75000"/>
@@ -9409,7 +9569,7 @@
         </p:blipFill>
         <p:spPr>
           <a:xfrm>
-            <a:off x="9724856" y="1444578"/>
+            <a:off x="10365017" y="2048031"/>
             <a:ext cx="3533072" cy="3533072"/>
           </a:xfrm>
           <a:prstGeom prst="rect">
@@ -9456,8 +9616,8 @@
         </p:nvSpPr>
         <p:spPr>
           <a:xfrm>
-            <a:off x="716875" y="269521"/>
-            <a:ext cx="12164677" cy="707886"/>
+            <a:off x="232356" y="163835"/>
+            <a:ext cx="14398044" cy="646331"/>
           </a:xfrm>
           <a:prstGeom prst="rect">
             <a:avLst/>
@@ -9471,17 +9631,17 @@
           <a:lstStyle/>
           <a:p>
             <a:r>
-              <a:rPr lang="ru-RU" sz="4000" dirty="0">
+              <a:rPr lang="ru-RU" sz="3600" dirty="0">
                 <a:solidFill>
                   <a:schemeClr val="bg1"/>
                 </a:solidFill>
                 <a:latin typeface="Times New Roman" panose="02020603050405020304" pitchFamily="18" charset="0"/>
                 <a:cs typeface="Times New Roman" panose="02020603050405020304" pitchFamily="18" charset="0"/>
               </a:rPr>
-              <a:t>Методика выполнения работы</a:t>
-            </a:r>
-            <a:r>
-              <a:rPr lang="en-US" sz="4000" dirty="0">
+              <a:t>МЕТОДИКА ВЫПОЛНЕНИЯ РАБОТЫ</a:t>
+            </a:r>
+            <a:r>
+              <a:rPr lang="en-US" sz="3600" dirty="0">
                 <a:solidFill>
                   <a:schemeClr val="bg1"/>
                 </a:solidFill>
@@ -9491,14 +9651,14 @@
               <a:t>: </a:t>
             </a:r>
             <a:r>
-              <a:rPr lang="ru-RU" sz="4000" dirty="0">
+              <a:rPr lang="ru-RU" sz="3600" dirty="0">
                 <a:solidFill>
                   <a:schemeClr val="bg1"/>
                 </a:solidFill>
                 <a:latin typeface="Times New Roman" panose="02020603050405020304" pitchFamily="18" charset="0"/>
                 <a:cs typeface="Times New Roman" panose="02020603050405020304" pitchFamily="18" charset="0"/>
               </a:rPr>
-              <a:t>структура базы данных</a:t>
+              <a:t>СТРУКТУРА БАЗЫ ДАННЫХ</a:t>
             </a:r>
           </a:p>
         </p:txBody>
@@ -9569,8 +9729,8 @@
         </p:nvSpPr>
         <p:spPr>
           <a:xfrm>
-            <a:off x="3601258" y="1226666"/>
-            <a:ext cx="7427883" cy="1133965"/>
+            <a:off x="307427" y="728718"/>
+            <a:ext cx="14015545" cy="579967"/>
           </a:xfrm>
           <a:prstGeom prst="rect">
             <a:avLst/>
@@ -9638,8 +9798,8 @@
         </p:nvSpPr>
         <p:spPr>
           <a:xfrm>
-            <a:off x="1168923" y="2651406"/>
-            <a:ext cx="3919825" cy="461665"/>
+            <a:off x="664426" y="2099613"/>
+            <a:ext cx="5799436" cy="646331"/>
           </a:xfrm>
           <a:prstGeom prst="rect">
             <a:avLst/>
@@ -9652,12 +9812,8 @@
           </a:bodyPr>
           <a:lstStyle/>
           <a:p>
-            <a:pPr marL="342900" indent="-342900">
-              <a:buFont typeface="Arial" panose="020B0604020202020204" pitchFamily="34" charset="0"/>
-              <a:buChar char="•"/>
-            </a:pPr>
-            <a:r>
-              <a:rPr lang="ru-RU" sz="2400" dirty="0">
+            <a:r>
+              <a:rPr lang="ru-RU" sz="3600" dirty="0">
                 <a:solidFill>
                   <a:schemeClr val="bg1">
                     <a:lumMod val="75000"/>
@@ -9669,7 +9825,7 @@
               <a:t>Таблица </a:t>
             </a:r>
             <a:r>
-              <a:rPr lang="en-US" sz="2400" dirty="0">
+              <a:rPr lang="en-US" sz="3600" dirty="0">
                 <a:solidFill>
                   <a:schemeClr val="bg1">
                     <a:lumMod val="75000"/>
@@ -9681,7 +9837,7 @@
               <a:t>“news”</a:t>
             </a:r>
             <a:r>
-              <a:rPr lang="ru-RU" sz="2400" dirty="0">
+              <a:rPr lang="ru-RU" sz="3600" dirty="0">
                 <a:solidFill>
                   <a:schemeClr val="bg1">
                     <a:lumMod val="75000"/>
@@ -9693,7 +9849,7 @@
               <a:t>(новости)</a:t>
             </a:r>
             <a:r>
-              <a:rPr lang="en-US" sz="2400" dirty="0">
+              <a:rPr lang="en-US" sz="3600" dirty="0">
                 <a:solidFill>
                   <a:schemeClr val="bg1">
                     <a:lumMod val="75000"/>
@@ -9704,7 +9860,7 @@
               </a:rPr>
               <a:t>:</a:t>
             </a:r>
-            <a:endParaRPr lang="ru-RU" sz="2400" dirty="0">
+            <a:endParaRPr lang="ru-RU" sz="3600" dirty="0">
               <a:solidFill>
                 <a:schemeClr val="bg1">
                   <a:lumMod val="75000"/>
@@ -9730,8 +9886,8 @@
         </p:nvSpPr>
         <p:spPr>
           <a:xfrm>
-            <a:off x="8841251" y="2655568"/>
-            <a:ext cx="4534292" cy="461665"/>
+            <a:off x="8055309" y="2133021"/>
+            <a:ext cx="5947662" cy="584775"/>
           </a:xfrm>
           <a:prstGeom prst="rect">
             <a:avLst/>
@@ -9744,12 +9900,8 @@
           </a:bodyPr>
           <a:lstStyle/>
           <a:p>
-            <a:pPr marL="342900" indent="-342900">
-              <a:buFont typeface="Arial" panose="020B0604020202020204" pitchFamily="34" charset="0"/>
-              <a:buChar char="•"/>
-            </a:pPr>
-            <a:r>
-              <a:rPr lang="ru-RU" sz="2400" dirty="0">
+            <a:r>
+              <a:rPr lang="ru-RU" sz="3200" dirty="0">
                 <a:solidFill>
                   <a:schemeClr val="bg1">
                     <a:lumMod val="75000"/>
@@ -9761,7 +9913,7 @@
               <a:t>Таблица </a:t>
             </a:r>
             <a:r>
-              <a:rPr lang="en-US" sz="2400" dirty="0">
+              <a:rPr lang="en-US" sz="3200" dirty="0">
                 <a:solidFill>
                   <a:schemeClr val="bg1">
                     <a:lumMod val="75000"/>
@@ -9773,7 +9925,7 @@
               <a:t>“solutions”(</a:t>
             </a:r>
             <a:r>
-              <a:rPr lang="ru-RU" sz="2400" dirty="0">
+              <a:rPr lang="ru-RU" sz="3200" dirty="0">
                 <a:solidFill>
                   <a:schemeClr val="bg1">
                     <a:lumMod val="75000"/>
@@ -9785,7 +9937,7 @@
               <a:t>решения</a:t>
             </a:r>
             <a:r>
-              <a:rPr lang="en-US" sz="2400" dirty="0">
+              <a:rPr lang="en-US" sz="3200" dirty="0">
                 <a:solidFill>
                   <a:schemeClr val="bg1">
                     <a:lumMod val="75000"/>
@@ -9821,7 +9973,7 @@
         </p:blipFill>
         <p:spPr>
           <a:xfrm>
-            <a:off x="7775054" y="3389099"/>
+            <a:off x="7633164" y="2745944"/>
             <a:ext cx="6508173" cy="4353500"/>
           </a:xfrm>
           <a:prstGeom prst="rect">
@@ -9851,7 +10003,7 @@
         </p:blipFill>
         <p:spPr>
           <a:xfrm>
-            <a:off x="216112" y="3394858"/>
+            <a:off x="216112" y="2745944"/>
             <a:ext cx="6473660" cy="4341982"/>
           </a:xfrm>
           <a:prstGeom prst="rect">
@@ -9873,7 +10025,7 @@
         </p:nvSpPr>
         <p:spPr>
           <a:xfrm>
-            <a:off x="841740" y="7739692"/>
+            <a:off x="775072" y="7044025"/>
             <a:ext cx="4700069" cy="400110"/>
           </a:xfrm>
           <a:prstGeom prst="rect">
@@ -9961,7 +10113,7 @@
         </p:nvSpPr>
         <p:spPr>
           <a:xfrm>
-            <a:off x="8786405" y="7742599"/>
+            <a:off x="8499608" y="7044025"/>
             <a:ext cx="5089903" cy="400110"/>
           </a:xfrm>
           <a:prstGeom prst="rect">
@@ -10127,7 +10279,7 @@
         <p:spPr>
           <a:xfrm>
             <a:off x="922084" y="235810"/>
-            <a:ext cx="12140773" cy="707886"/>
+            <a:ext cx="14394116" cy="646331"/>
           </a:xfrm>
           <a:prstGeom prst="rect">
             <a:avLst/>
@@ -10141,17 +10293,17 @@
           <a:lstStyle/>
           <a:p>
             <a:r>
-              <a:rPr lang="ru-RU" sz="4000" dirty="0">
+              <a:rPr lang="ru-RU" sz="3600" dirty="0">
                 <a:solidFill>
                   <a:schemeClr val="bg1"/>
                 </a:solidFill>
                 <a:latin typeface="Times New Roman" panose="02020603050405020304" pitchFamily="18" charset="0"/>
                 <a:cs typeface="Times New Roman" panose="02020603050405020304" pitchFamily="18" charset="0"/>
               </a:rPr>
-              <a:t>Методика выполнения работы</a:t>
-            </a:r>
-            <a:r>
-              <a:rPr lang="en-US" sz="4000" dirty="0">
+              <a:t>МЕТОДИКА ВЫПОЛНЕНИЯ РАБОТЫ</a:t>
+            </a:r>
+            <a:r>
+              <a:rPr lang="en-US" sz="3600" dirty="0">
                 <a:solidFill>
                   <a:schemeClr val="bg1"/>
                 </a:solidFill>
@@ -10161,14 +10313,14 @@
               <a:t>: </a:t>
             </a:r>
             <a:r>
-              <a:rPr lang="ru-RU" sz="4000" dirty="0">
+              <a:rPr lang="ru-RU" sz="3600" dirty="0">
                 <a:solidFill>
                   <a:schemeClr val="bg1"/>
                 </a:solidFill>
                 <a:latin typeface="Times New Roman" panose="02020603050405020304" pitchFamily="18" charset="0"/>
                 <a:cs typeface="Times New Roman" panose="02020603050405020304" pitchFamily="18" charset="0"/>
               </a:rPr>
-              <a:t>проектирование</a:t>
+              <a:t>ПРОЕКТИРОВАНИЕ</a:t>
             </a:r>
           </a:p>
         </p:txBody>
@@ -10187,8 +10339,8 @@
         </p:nvSpPr>
         <p:spPr>
           <a:xfrm>
-            <a:off x="3350238" y="1165936"/>
-            <a:ext cx="7929923" cy="1133965"/>
+            <a:off x="2303653" y="751822"/>
+            <a:ext cx="10023093" cy="579967"/>
           </a:xfrm>
           <a:prstGeom prst="rect">
             <a:avLst/>
@@ -10206,18 +10358,6 @@
                 <a:spcPct val="150000"/>
               </a:lnSpc>
             </a:pPr>
-            <a:r>
-              <a:rPr lang="ru-RU" sz="2400" dirty="0">
-                <a:solidFill>
-                  <a:schemeClr val="bg1">
-                    <a:lumMod val="75000"/>
-                  </a:schemeClr>
-                </a:solidFill>
-                <a:latin typeface="Times New Roman" panose="02020603050405020304" pitchFamily="18" charset="0"/>
-                <a:cs typeface="Times New Roman" panose="02020603050405020304" pitchFamily="18" charset="0"/>
-              </a:rPr>
-              <a:t>На этом слайде представлены </a:t>
-            </a:r>
             <a:r>
               <a:rPr lang="en-US" sz="2400" dirty="0">
                 <a:solidFill>
@@ -10280,8 +10420,8 @@
         </p:nvSpPr>
         <p:spPr>
           <a:xfrm>
-            <a:off x="607692" y="2520051"/>
-            <a:ext cx="5831340" cy="461665"/>
+            <a:off x="607692" y="2006447"/>
+            <a:ext cx="6362960" cy="523220"/>
           </a:xfrm>
           <a:prstGeom prst="rect">
             <a:avLst/>
@@ -10294,12 +10434,8 @@
           </a:bodyPr>
           <a:lstStyle/>
           <a:p>
-            <a:pPr marL="342900" indent="-342900">
-              <a:buFont typeface="Arial" panose="020B0604020202020204" pitchFamily="34" charset="0"/>
-              <a:buChar char="•"/>
-            </a:pPr>
-            <a:r>
-              <a:rPr lang="en-US" sz="2400" dirty="0">
+            <a:r>
+              <a:rPr lang="en-US" sz="2800" dirty="0">
                 <a:solidFill>
                   <a:schemeClr val="bg1">
                     <a:lumMod val="75000"/>
@@ -10311,7 +10447,7 @@
               <a:t>UML</a:t>
             </a:r>
             <a:r>
-              <a:rPr lang="ru-RU" sz="2400" dirty="0">
+              <a:rPr lang="ru-RU" sz="2800" dirty="0">
                 <a:solidFill>
                   <a:schemeClr val="bg1">
                     <a:lumMod val="75000"/>
@@ -10323,7 +10459,7 @@
               <a:t>-диаграмма для посетителей сайта</a:t>
             </a:r>
             <a:r>
-              <a:rPr lang="en-US" sz="2400" dirty="0">
+              <a:rPr lang="en-US" sz="2800" dirty="0">
                 <a:solidFill>
                   <a:schemeClr val="bg1">
                     <a:lumMod val="75000"/>
@@ -10334,7 +10470,7 @@
               </a:rPr>
               <a:t>:</a:t>
             </a:r>
-            <a:endParaRPr lang="ru-RU" sz="2400" dirty="0">
+            <a:endParaRPr lang="ru-RU" sz="2800" dirty="0">
               <a:solidFill>
                 <a:schemeClr val="bg1">
                   <a:lumMod val="75000"/>
@@ -10360,8 +10496,8 @@
         </p:nvSpPr>
         <p:spPr>
           <a:xfrm>
-            <a:off x="7830030" y="2520050"/>
-            <a:ext cx="6308592" cy="461665"/>
+            <a:off x="7538366" y="2027663"/>
+            <a:ext cx="6918611" cy="523220"/>
           </a:xfrm>
           <a:prstGeom prst="rect">
             <a:avLst/>
@@ -10374,12 +10510,8 @@
           </a:bodyPr>
           <a:lstStyle/>
           <a:p>
-            <a:pPr marL="342900" indent="-342900">
-              <a:buFont typeface="Arial" panose="020B0604020202020204" pitchFamily="34" charset="0"/>
-              <a:buChar char="•"/>
-            </a:pPr>
-            <a:r>
-              <a:rPr lang="en-US" sz="2400" dirty="0">
+            <a:r>
+              <a:rPr lang="en-US" sz="2800" dirty="0">
                 <a:solidFill>
                   <a:schemeClr val="bg1">
                     <a:lumMod val="75000"/>
@@ -10391,7 +10523,7 @@
               <a:t>UML</a:t>
             </a:r>
             <a:r>
-              <a:rPr lang="ru-RU" sz="2400" dirty="0">
+              <a:rPr lang="ru-RU" sz="2800" dirty="0">
                 <a:solidFill>
                   <a:schemeClr val="bg1">
                     <a:lumMod val="75000"/>
@@ -10403,7 +10535,7 @@
               <a:t>-диаграмма для администратора сайта</a:t>
             </a:r>
             <a:r>
-              <a:rPr lang="en-US" sz="2400" dirty="0">
+              <a:rPr lang="en-US" sz="2800" dirty="0">
                 <a:solidFill>
                   <a:schemeClr val="bg1">
                     <a:lumMod val="75000"/>
@@ -10414,7 +10546,7 @@
               </a:rPr>
               <a:t>:</a:t>
             </a:r>
-            <a:endParaRPr lang="ru-RU" sz="2400" dirty="0">
+            <a:endParaRPr lang="ru-RU" sz="2800" dirty="0">
               <a:solidFill>
                 <a:schemeClr val="bg1">
                   <a:lumMod val="75000"/>
@@ -10448,7 +10580,7 @@
         </p:blipFill>
         <p:spPr>
           <a:xfrm>
-            <a:off x="337286" y="3142770"/>
+            <a:off x="337286" y="2529667"/>
             <a:ext cx="6831918" cy="4450148"/>
           </a:xfrm>
           <a:prstGeom prst="rect">
@@ -10470,7 +10602,7 @@
         </p:nvSpPr>
         <p:spPr>
           <a:xfrm>
-            <a:off x="1257626" y="7600602"/>
+            <a:off x="1257626" y="7005086"/>
             <a:ext cx="4719177" cy="400110"/>
           </a:xfrm>
           <a:prstGeom prst="rect">
@@ -10545,7 +10677,7 @@
         </p:blipFill>
         <p:spPr>
           <a:xfrm>
-            <a:off x="8926626" y="3142770"/>
+            <a:off x="8644136" y="2529667"/>
             <a:ext cx="4707070" cy="4457832"/>
           </a:xfrm>
           <a:prstGeom prst="rect">
@@ -10567,7 +10699,7 @@
         </p:nvSpPr>
         <p:spPr>
           <a:xfrm>
-            <a:off x="9024298" y="7600602"/>
+            <a:off x="8644136" y="7006709"/>
             <a:ext cx="4707070" cy="400110"/>
           </a:xfrm>
           <a:prstGeom prst="rect">
